--- a/p2.pptx
+++ b/p2.pptx
@@ -5,7 +5,7 @@
     <p:sldMasterId id="2147483648" r:id="rId1"/>
   </p:sldMasterIdLst>
   <p:notesMasterIdLst>
-    <p:notesMasterId r:id="rId14"/>
+    <p:notesMasterId r:id="rId24"/>
   </p:notesMasterIdLst>
   <p:sldIdLst>
     <p:sldId id="256" r:id="rId2"/>
@@ -18,8 +18,18 @@
     <p:sldId id="264" r:id="rId9"/>
     <p:sldId id="265" r:id="rId10"/>
     <p:sldId id="266" r:id="rId11"/>
-    <p:sldId id="267" r:id="rId12"/>
-    <p:sldId id="259" r:id="rId13"/>
+    <p:sldId id="268" r:id="rId12"/>
+    <p:sldId id="269" r:id="rId13"/>
+    <p:sldId id="270" r:id="rId14"/>
+    <p:sldId id="271" r:id="rId15"/>
+    <p:sldId id="275" r:id="rId16"/>
+    <p:sldId id="259" r:id="rId17"/>
+    <p:sldId id="276" r:id="rId18"/>
+    <p:sldId id="277" r:id="rId19"/>
+    <p:sldId id="267" r:id="rId20"/>
+    <p:sldId id="272" r:id="rId21"/>
+    <p:sldId id="273" r:id="rId22"/>
+    <p:sldId id="274" r:id="rId23"/>
   </p:sldIdLst>
   <p:sldSz cx="12192000" cy="6858000"/>
   <p:notesSz cx="6858000" cy="9144000"/>
@@ -204,7 +214,7 @@
             <a:fld id="{A4832B5D-BA08-4F9A-A1B0-844EF6A9E720}" type="datetimeFigureOut">
               <a:rPr lang="en-IN" smtClean="0"/>
               <a:pPr/>
-              <a:t>05-07-2019</a:t>
+              <a:t>06-07-2019</a:t>
             </a:fld>
             <a:endParaRPr lang="en-IN"/>
           </a:p>
@@ -779,7 +789,7 @@
             <a:fld id="{DB53679D-D256-4F18-A32E-6C4B79FCE572}" type="datetime1">
               <a:rPr lang="en-US" smtClean="0"/>
               <a:pPr/>
-              <a:t>7/5/2019</a:t>
+              <a:t>7/6/2019</a:t>
             </a:fld>
             <a:endParaRPr lang="en-US" dirty="0"/>
           </a:p>
@@ -984,7 +994,7 @@
             <a:fld id="{2607B462-0735-42F9-884E-7741F48CA45A}" type="datetime1">
               <a:rPr lang="en-US" smtClean="0"/>
               <a:pPr/>
-              <a:t>7/5/2019</a:t>
+              <a:t>7/6/2019</a:t>
             </a:fld>
             <a:endParaRPr lang="en-US" dirty="0"/>
           </a:p>
@@ -1237,7 +1247,7 @@
             <a:fld id="{4994EA85-0D13-49A2-9619-FC601B2C6C7B}" type="datetime1">
               <a:rPr lang="en-US" smtClean="0"/>
               <a:pPr/>
-              <a:t>7/5/2019</a:t>
+              <a:t>7/6/2019</a:t>
             </a:fld>
             <a:endParaRPr lang="en-US" dirty="0"/>
           </a:p>
@@ -1408,7 +1418,7 @@
             <a:fld id="{32C893FB-49E0-4494-B732-E4FE9861EA13}" type="datetime1">
               <a:rPr lang="en-US" smtClean="0"/>
               <a:pPr/>
-              <a:t>7/5/2019</a:t>
+              <a:t>7/6/2019</a:t>
             </a:fld>
             <a:endParaRPr lang="en-US" dirty="0"/>
           </a:p>
@@ -1748,7 +1758,7 @@
             <a:fld id="{5FB9CC1F-39D6-4CAE-A9FD-CCF8A35416D0}" type="datetime1">
               <a:rPr lang="en-US" smtClean="0"/>
               <a:pPr/>
-              <a:t>7/5/2019</a:t>
+              <a:t>7/6/2019</a:t>
             </a:fld>
             <a:endParaRPr lang="en-US" dirty="0"/>
           </a:p>
@@ -2020,7 +2030,7 @@
             <a:fld id="{B2B83FA7-513D-4682-B377-5CC760C97D02}" type="datetime1">
               <a:rPr lang="en-US" smtClean="0"/>
               <a:pPr/>
-              <a:t>7/5/2019</a:t>
+              <a:t>7/6/2019</a:t>
             </a:fld>
             <a:endParaRPr lang="en-US" dirty="0"/>
           </a:p>
@@ -2396,7 +2406,7 @@
             <a:fld id="{C52CE68C-F2FA-4BC4-99CF-9CC37C597023}" type="datetime1">
               <a:rPr lang="en-US" smtClean="0"/>
               <a:pPr/>
-              <a:t>7/5/2019</a:t>
+              <a:t>7/6/2019</a:t>
             </a:fld>
             <a:endParaRPr lang="en-US" dirty="0"/>
           </a:p>
@@ -2511,7 +2521,7 @@
             <a:fld id="{707B2D25-4342-4F94-A8FB-C08A6DD6238D}" type="datetime1">
               <a:rPr lang="en-US" smtClean="0"/>
               <a:pPr/>
-              <a:t>7/5/2019</a:t>
+              <a:t>7/6/2019</a:t>
             </a:fld>
             <a:endParaRPr lang="en-US" dirty="0"/>
           </a:p>
@@ -2679,7 +2689,7 @@
             <a:fld id="{484432B9-5ED6-4E10-80BB-DCC6E8EFE9D6}" type="datetime1">
               <a:rPr lang="en-US" smtClean="0"/>
               <a:pPr/>
-              <a:t>7/5/2019</a:t>
+              <a:t>7/6/2019</a:t>
             </a:fld>
             <a:endParaRPr lang="en-US" dirty="0"/>
           </a:p>
@@ -3030,7 +3040,7 @@
             <a:fld id="{E0BC25D7-DF71-4E42-AF36-3C71FCE49220}" type="datetime1">
               <a:rPr lang="en-US" smtClean="0"/>
               <a:pPr/>
-              <a:t>7/5/2019</a:t>
+              <a:t>7/6/2019</a:t>
             </a:fld>
             <a:endParaRPr lang="en-US" dirty="0"/>
           </a:p>
@@ -3406,7 +3416,7 @@
             <a:fld id="{D087974D-0FDD-4131-8D52-FF3541199DE8}" type="datetime1">
               <a:rPr lang="en-US" smtClean="0"/>
               <a:pPr/>
-              <a:t>7/5/2019</a:t>
+              <a:t>7/6/2019</a:t>
             </a:fld>
             <a:endParaRPr lang="en-US" dirty="0"/>
           </a:p>
@@ -3690,7 +3700,7 @@
             <a:fld id="{AFBEC4A8-E89E-4EF1-B01A-456F3B2727EC}" type="datetime1">
               <a:rPr lang="en-US" smtClean="0"/>
               <a:pPr/>
-              <a:t>7/5/2019</a:t>
+              <a:t>7/6/2019</a:t>
             </a:fld>
             <a:endParaRPr lang="en-US" dirty="0"/>
           </a:p>
@@ -4331,7 +4341,7 @@
     </p:spTree>
     <p:extLst>
       <p:ext uri="{BB962C8B-B14F-4D97-AF65-F5344CB8AC3E}">
-        <p14:creationId xmlns="" xmlns:p14="http://schemas.microsoft.com/office/powerpoint/2010/main" val="2929381990"/>
+        <p14:creationId xmlns:p14="http://schemas.microsoft.com/office/powerpoint/2010/main" xmlns="" val="2929381990"/>
       </p:ext>
     </p:extLst>
   </p:cSld>
@@ -4403,7 +4413,51 @@
           <a:bodyPr/>
           <a:lstStyle/>
           <a:p>
-            <a:endParaRPr lang="en-IN"/>
+            <a:pPr>
+              <a:buFont typeface="Wingdings" pitchFamily="2" charset="2"/>
+              <a:buChar char="Ø"/>
+            </a:pPr>
+            <a:r>
+              <a:rPr lang="en-IN" dirty="0" smtClean="0"/>
+              <a:t>RI(Refractive index) depends on pressure and temperature</a:t>
+            </a:r>
+          </a:p>
+          <a:p>
+            <a:pPr>
+              <a:buFont typeface="Wingdings" pitchFamily="2" charset="2"/>
+              <a:buChar char="Ø"/>
+            </a:pPr>
+            <a:r>
+              <a:rPr lang="en-IN" dirty="0" smtClean="0"/>
+              <a:t>Two types  : (1) </a:t>
+            </a:r>
+            <a:r>
+              <a:rPr lang="en-IN" b="1" dirty="0" smtClean="0"/>
+              <a:t>Absolute RI </a:t>
+            </a:r>
+            <a:r>
+              <a:rPr lang="en-IN" dirty="0" smtClean="0"/>
+              <a:t>at pressure = 0 Pa (2) </a:t>
+            </a:r>
+            <a:r>
+              <a:rPr lang="en-IN" b="1" dirty="0" smtClean="0"/>
+              <a:t>Relative RI </a:t>
+            </a:r>
+            <a:r>
+              <a:rPr lang="en-IN" dirty="0" smtClean="0"/>
+              <a:t>at given pressure</a:t>
+            </a:r>
+          </a:p>
+          <a:p>
+            <a:pPr>
+              <a:buFont typeface="Wingdings" pitchFamily="2" charset="2"/>
+              <a:buChar char="Ø"/>
+            </a:pPr>
+            <a:r>
+              <a:rPr lang="en-IN" dirty="0" smtClean="0"/>
+              <a:t>The refractive index from catalogues are at reference temperature and one atmosphere pressure (101330 Pa).</a:t>
+            </a:r>
+            <a:endParaRPr lang="en-IN" dirty="0"/>
           </a:p>
         </p:txBody>
       </p:sp>
@@ -4423,14 +4477,171 @@
           <a:lstStyle/>
           <a:p>
             <a:fld id="{6113E31D-E2AB-40D1-8B51-AFA5AFEF393A}" type="slidenum">
-              <a:rPr lang="en-US" smtClean="0"/>
+              <a:rPr lang="en-US" sz="1800" smtClean="0"/>
               <a:pPr/>
               <a:t>10</a:t>
             </a:fld>
-            <a:endParaRPr lang="en-US" dirty="0"/>
-          </a:p>
-        </p:txBody>
-      </p:sp>
+            <a:endParaRPr lang="en-US" sz="1800" dirty="0"/>
+          </a:p>
+        </p:txBody>
+      </p:sp>
+      <p:pic>
+        <p:nvPicPr>
+          <p:cNvPr id="5" name="Picture 4" descr="Capture.JPG"/>
+          <p:cNvPicPr>
+            <a:picLocks noChangeAspect="1"/>
+          </p:cNvPicPr>
+          <p:nvPr/>
+        </p:nvPicPr>
+        <p:blipFill>
+          <a:blip r:embed="rId2" cstate="print"/>
+          <a:stretch>
+            <a:fillRect/>
+          </a:stretch>
+        </p:blipFill>
+        <p:spPr>
+          <a:xfrm>
+            <a:off x="1701952" y="3452883"/>
+            <a:ext cx="8247266" cy="1965279"/>
+          </a:xfrm>
+          <a:prstGeom prst="rect">
+            <a:avLst/>
+          </a:prstGeom>
+        </p:spPr>
+      </p:pic>
+      <p:pic>
+        <p:nvPicPr>
+          <p:cNvPr id="6" name="Picture 5" descr="Capture.JPG"/>
+          <p:cNvPicPr>
+            <a:picLocks noChangeAspect="1"/>
+          </p:cNvPicPr>
+          <p:nvPr/>
+        </p:nvPicPr>
+        <p:blipFill>
+          <a:blip r:embed="rId3" cstate="print"/>
+          <a:stretch>
+            <a:fillRect/>
+          </a:stretch>
+        </p:blipFill>
+        <p:spPr>
+          <a:xfrm>
+            <a:off x="1528962" y="5579362"/>
+            <a:ext cx="8624972" cy="753199"/>
+          </a:xfrm>
+          <a:prstGeom prst="rect">
+            <a:avLst/>
+          </a:prstGeom>
+        </p:spPr>
+      </p:pic>
+      <p:sp>
+        <p:nvSpPr>
+          <p:cNvPr id="7" name="TextBox 6"/>
+          <p:cNvSpPr txBox="1"/>
+          <p:nvPr/>
+        </p:nvSpPr>
+        <p:spPr>
+          <a:xfrm>
+            <a:off x="0" y="4339989"/>
+            <a:ext cx="1651379" cy="923330"/>
+          </a:xfrm>
+          <a:prstGeom prst="rect">
+            <a:avLst/>
+          </a:prstGeom>
+          <a:noFill/>
+        </p:spPr>
+        <p:txBody>
+          <a:bodyPr wrap="square" rtlCol="0">
+            <a:spAutoFit/>
+          </a:bodyPr>
+          <a:lstStyle/>
+          <a:p>
+            <a:r>
+              <a:rPr lang="en-IN" dirty="0" smtClean="0"/>
+              <a:t>Differentiating </a:t>
+            </a:r>
+            <a:r>
+              <a:rPr lang="en-IN" dirty="0" err="1" smtClean="0"/>
+              <a:t>w.r.t</a:t>
+            </a:r>
+            <a:r>
+              <a:rPr lang="en-IN" dirty="0" smtClean="0"/>
+              <a:t> to temperature</a:t>
+            </a:r>
+            <a:endParaRPr lang="en-IN" dirty="0"/>
+          </a:p>
+        </p:txBody>
+      </p:sp>
+      <p:cxnSp>
+        <p:nvCxnSpPr>
+          <p:cNvPr id="9" name="Curved Connector 8"/>
+          <p:cNvCxnSpPr/>
+          <p:nvPr/>
+        </p:nvCxnSpPr>
+        <p:spPr>
+          <a:xfrm rot="10800000" flipV="1">
+            <a:off x="859810" y="3794081"/>
+            <a:ext cx="873456" cy="573204"/>
+          </a:xfrm>
+          <a:prstGeom prst="curvedConnector3">
+            <a:avLst>
+              <a:gd name="adj1" fmla="val 50000"/>
+            </a:avLst>
+          </a:prstGeom>
+          <a:ln>
+            <a:tailEnd type="arrow"/>
+          </a:ln>
+        </p:spPr>
+        <p:style>
+          <a:lnRef idx="2">
+            <a:schemeClr val="dk1"/>
+          </a:lnRef>
+          <a:fillRef idx="0">
+            <a:schemeClr val="dk1"/>
+          </a:fillRef>
+          <a:effectRef idx="1">
+            <a:schemeClr val="dk1"/>
+          </a:effectRef>
+          <a:fontRef idx="minor">
+            <a:schemeClr val="tx1"/>
+          </a:fontRef>
+        </p:style>
+      </p:cxnSp>
+      <p:cxnSp>
+        <p:nvCxnSpPr>
+          <p:cNvPr id="14" name="Shape 13"/>
+          <p:cNvCxnSpPr>
+            <a:stCxn id="7" idx="2"/>
+            <a:endCxn id="6" idx="1"/>
+          </p:cNvCxnSpPr>
+          <p:nvPr/>
+        </p:nvCxnSpPr>
+        <p:spPr>
+          <a:xfrm rot="16200000" flipH="1">
+            <a:off x="831005" y="5258004"/>
+            <a:ext cx="692643" cy="703272"/>
+          </a:xfrm>
+          <a:prstGeom prst="curvedConnector2">
+            <a:avLst/>
+          </a:prstGeom>
+          <a:ln>
+            <a:tailEnd type="arrow"/>
+          </a:ln>
+        </p:spPr>
+        <p:style>
+          <a:lnRef idx="2">
+            <a:schemeClr val="dk1"/>
+          </a:lnRef>
+          <a:fillRef idx="0">
+            <a:schemeClr val="dk1"/>
+          </a:fillRef>
+          <a:effectRef idx="1">
+            <a:schemeClr val="dk1"/>
+          </a:effectRef>
+          <a:fontRef idx="minor">
+            <a:schemeClr val="tx1"/>
+          </a:fontRef>
+        </p:style>
+      </p:cxnSp>
     </p:spTree>
   </p:cSld>
   <p:clrMapOvr>
@@ -4473,76 +4684,645 @@
             <p:ph type="title"/>
           </p:nvPr>
         </p:nvSpPr>
-        <p:spPr>
-          <a:xfrm>
-            <a:off x="1124576" y="245660"/>
-            <a:ext cx="10058400" cy="1450757"/>
-          </a:xfrm>
-        </p:spPr>
+        <p:spPr/>
         <p:txBody>
           <a:bodyPr/>
           <a:lstStyle/>
           <a:p>
             <a:r>
               <a:rPr lang="en-IN" dirty="0" smtClean="0"/>
-              <a:t>From reference data</a:t>
+              <a:t>Thermal </a:t>
+            </a:r>
+            <a:r>
+              <a:rPr lang="en-IN" dirty="0" smtClean="0"/>
+              <a:t>Analysis....</a:t>
+            </a:r>
+            <a:r>
+              <a:rPr lang="en-IN" dirty="0" err="1" smtClean="0"/>
+              <a:t>contd</a:t>
             </a:r>
             <a:endParaRPr lang="en-IN" dirty="0"/>
+          </a:p>
+        </p:txBody>
+      </p:sp>
+      <p:sp>
+        <p:nvSpPr>
+          <p:cNvPr id="3" name="Content Placeholder 2"/>
+          <p:cNvSpPr>
+            <a:spLocks noGrp="1"/>
+          </p:cNvSpPr>
+          <p:nvPr>
+            <p:ph idx="1"/>
+          </p:nvPr>
+        </p:nvSpPr>
+        <p:spPr/>
+        <p:txBody>
+          <a:bodyPr/>
+          <a:lstStyle/>
+          <a:p>
+            <a:pPr>
+              <a:buFont typeface="Wingdings" pitchFamily="2" charset="2"/>
+              <a:buChar char="Ø"/>
+            </a:pPr>
+            <a:r>
+              <a:rPr lang="en-IN" dirty="0" smtClean="0"/>
+              <a:t>Refractive index of air,  </a:t>
+            </a:r>
+            <a:endParaRPr lang="en-IN" dirty="0"/>
+          </a:p>
+        </p:txBody>
+      </p:sp>
+      <p:sp>
+        <p:nvSpPr>
+          <p:cNvPr id="4" name="Slide Number Placeholder 3"/>
+          <p:cNvSpPr>
+            <a:spLocks noGrp="1"/>
+          </p:cNvSpPr>
+          <p:nvPr>
+            <p:ph type="sldNum" sz="quarter" idx="12"/>
+          </p:nvPr>
+        </p:nvSpPr>
+        <p:spPr/>
+        <p:txBody>
+          <a:bodyPr/>
+          <a:lstStyle/>
+          <a:p>
+            <a:fld id="{6113E31D-E2AB-40D1-8B51-AFA5AFEF393A}" type="slidenum">
+              <a:rPr lang="en-US" sz="1800" smtClean="0"/>
+              <a:pPr/>
+              <a:t>11</a:t>
+            </a:fld>
+            <a:endParaRPr lang="en-US" sz="1800" dirty="0"/>
           </a:p>
         </p:txBody>
       </p:sp>
       <p:pic>
         <p:nvPicPr>
-          <p:cNvPr id="5" name="Content Placeholder 4" descr="Capture.JPG"/>
+          <p:cNvPr id="5" name="Picture 2"/>
           <p:cNvPicPr>
-            <a:picLocks noGrp="1" noChangeAspect="1"/>
+            <a:picLocks noChangeAspect="1" noChangeArrowheads="1"/>
           </p:cNvPicPr>
-          <p:nvPr>
-            <p:ph idx="1"/>
-          </p:nvPr>
+          <p:nvPr/>
         </p:nvPicPr>
         <p:blipFill>
-          <a:blip r:embed="rId2"/>
+          <a:blip r:embed="rId2" cstate="print"/>
+          <a:srcRect/>
+          <a:stretch>
+            <a:fillRect/>
+          </a:stretch>
+        </p:blipFill>
+        <p:spPr bwMode="auto">
+          <a:xfrm>
+            <a:off x="3821372" y="1815153"/>
+            <a:ext cx="5445458" cy="791570"/>
+          </a:xfrm>
+          <a:prstGeom prst="rect">
+            <a:avLst/>
+          </a:prstGeom>
+          <a:noFill/>
+          <a:ln w="9525">
+            <a:noFill/>
+            <a:miter lim="800000"/>
+            <a:headEnd/>
+            <a:tailEnd/>
+          </a:ln>
+        </p:spPr>
+      </p:pic>
+      <p:pic>
+        <p:nvPicPr>
+          <p:cNvPr id="6" name="Picture 5" descr="Capture.JPG"/>
+          <p:cNvPicPr>
+            <a:picLocks noChangeAspect="1"/>
+          </p:cNvPicPr>
+          <p:nvPr/>
+        </p:nvPicPr>
+        <p:blipFill>
+          <a:blip r:embed="rId3" cstate="print"/>
           <a:stretch>
             <a:fillRect/>
           </a:stretch>
         </p:blipFill>
         <p:spPr>
           <a:xfrm>
-            <a:off x="3016156" y="1774209"/>
-            <a:ext cx="5349923" cy="4810409"/>
+            <a:off x="3903260" y="2743200"/>
+            <a:ext cx="6591868" cy="818347"/>
           </a:xfrm>
+          <a:prstGeom prst="rect">
+            <a:avLst/>
+          </a:prstGeom>
         </p:spPr>
       </p:pic>
-      <p:sp>
-        <p:nvSpPr>
-          <p:cNvPr id="4" name="Slide Number Placeholder 3"/>
-          <p:cNvSpPr>
-            <a:spLocks noGrp="1"/>
-          </p:cNvSpPr>
-          <p:nvPr>
-            <p:ph type="sldNum" sz="quarter" idx="12"/>
-          </p:nvPr>
-        </p:nvSpPr>
-        <p:spPr/>
-        <p:txBody>
-          <a:bodyPr/>
+      <p:pic>
+        <p:nvPicPr>
+          <p:cNvPr id="7" name="Picture 6" descr="Capture.JPG"/>
+          <p:cNvPicPr>
+            <a:picLocks noChangeAspect="1"/>
+          </p:cNvPicPr>
+          <p:nvPr/>
+        </p:nvPicPr>
+        <p:blipFill>
+          <a:blip r:embed="rId4" cstate="print"/>
+          <a:stretch>
+            <a:fillRect/>
+          </a:stretch>
+        </p:blipFill>
+        <p:spPr>
+          <a:xfrm>
+            <a:off x="3971498" y="3657601"/>
+            <a:ext cx="4107977" cy="784114"/>
+          </a:xfrm>
+          <a:prstGeom prst="rect">
+            <a:avLst/>
+          </a:prstGeom>
+        </p:spPr>
+      </p:pic>
+      <p:sp>
+        <p:nvSpPr>
+          <p:cNvPr id="8" name="TextBox 7"/>
+          <p:cNvSpPr txBox="1"/>
+          <p:nvPr/>
+        </p:nvSpPr>
+        <p:spPr>
+          <a:xfrm>
+            <a:off x="1132764" y="4599296"/>
+            <a:ext cx="8379726" cy="369332"/>
+          </a:xfrm>
+          <a:prstGeom prst="rect">
+            <a:avLst/>
+          </a:prstGeom>
+          <a:noFill/>
+        </p:spPr>
+        <p:txBody>
+          <a:bodyPr wrap="square" rtlCol="0">
+            <a:spAutoFit/>
+          </a:bodyPr>
           <a:lstStyle/>
           <a:p>
-            <a:fld id="{6113E31D-E2AB-40D1-8B51-AFA5AFEF393A}" type="slidenum">
-              <a:rPr lang="en-US" smtClean="0"/>
-              <a:pPr/>
-              <a:t>11</a:t>
-            </a:fld>
-            <a:endParaRPr lang="en-US" dirty="0"/>
-          </a:p>
-        </p:txBody>
-      </p:sp>
+            <a:pPr>
+              <a:buFont typeface="Wingdings" pitchFamily="2" charset="2"/>
+              <a:buChar char="Ø"/>
+            </a:pPr>
+            <a:r>
+              <a:rPr lang="en-IN" dirty="0" smtClean="0"/>
+              <a:t>Change in relative RI,</a:t>
+            </a:r>
+            <a:endParaRPr lang="en-IN" dirty="0"/>
+          </a:p>
+        </p:txBody>
+      </p:sp>
+      <p:pic>
+        <p:nvPicPr>
+          <p:cNvPr id="9" name="Picture 2"/>
+          <p:cNvPicPr>
+            <a:picLocks noChangeAspect="1" noChangeArrowheads="1"/>
+          </p:cNvPicPr>
+          <p:nvPr/>
+        </p:nvPicPr>
+        <p:blipFill>
+          <a:blip r:embed="rId5" cstate="print"/>
+          <a:srcRect/>
+          <a:stretch>
+            <a:fillRect/>
+          </a:stretch>
+        </p:blipFill>
+        <p:spPr bwMode="auto">
+          <a:xfrm>
+            <a:off x="3811246" y="4490115"/>
+            <a:ext cx="4704957" cy="900752"/>
+          </a:xfrm>
+          <a:prstGeom prst="rect">
+            <a:avLst/>
+          </a:prstGeom>
+          <a:noFill/>
+          <a:ln w="9525">
+            <a:noFill/>
+            <a:miter lim="800000"/>
+            <a:headEnd/>
+            <a:tailEnd/>
+          </a:ln>
+        </p:spPr>
+      </p:pic>
+      <p:cxnSp>
+        <p:nvCxnSpPr>
+          <p:cNvPr id="11" name="Straight Connector 10"/>
+          <p:cNvCxnSpPr/>
+          <p:nvPr/>
+        </p:nvCxnSpPr>
+        <p:spPr>
+          <a:xfrm>
+            <a:off x="1105468" y="4435522"/>
+            <a:ext cx="10112991" cy="0"/>
+          </a:xfrm>
+          <a:prstGeom prst="line">
+            <a:avLst/>
+          </a:prstGeom>
+        </p:spPr>
+        <p:style>
+          <a:lnRef idx="2">
+            <a:schemeClr val="dk1"/>
+          </a:lnRef>
+          <a:fillRef idx="0">
+            <a:schemeClr val="dk1"/>
+          </a:fillRef>
+          <a:effectRef idx="1">
+            <a:schemeClr val="dk1"/>
+          </a:effectRef>
+          <a:fontRef idx="minor">
+            <a:schemeClr val="tx1"/>
+          </a:fontRef>
+        </p:style>
+      </p:cxnSp>
+      <p:sp>
+        <p:nvSpPr>
+          <p:cNvPr id="12" name="TextBox 11"/>
+          <p:cNvSpPr txBox="1"/>
+          <p:nvPr/>
+        </p:nvSpPr>
+        <p:spPr>
+          <a:xfrm>
+            <a:off x="1119117" y="5554639"/>
+            <a:ext cx="2060812" cy="369332"/>
+          </a:xfrm>
+          <a:prstGeom prst="rect">
+            <a:avLst/>
+          </a:prstGeom>
+          <a:noFill/>
+        </p:spPr>
+        <p:txBody>
+          <a:bodyPr wrap="square" rtlCol="0">
+            <a:spAutoFit/>
+          </a:bodyPr>
+          <a:lstStyle/>
+          <a:p>
+            <a:pPr>
+              <a:buFont typeface="Wingdings" pitchFamily="2" charset="2"/>
+              <a:buChar char="Ø"/>
+            </a:pPr>
+            <a:r>
+              <a:rPr lang="en-IN" dirty="0" smtClean="0"/>
+              <a:t>Final equation </a:t>
+            </a:r>
+            <a:endParaRPr lang="en-IN" dirty="0"/>
+          </a:p>
+        </p:txBody>
+      </p:sp>
+      <p:cxnSp>
+        <p:nvCxnSpPr>
+          <p:cNvPr id="14" name="Straight Arrow Connector 13"/>
+          <p:cNvCxnSpPr/>
+          <p:nvPr/>
+        </p:nvCxnSpPr>
+        <p:spPr>
+          <a:xfrm flipV="1">
+            <a:off x="2975212" y="5745707"/>
+            <a:ext cx="600501" cy="1"/>
+          </a:xfrm>
+          <a:prstGeom prst="straightConnector1">
+            <a:avLst/>
+          </a:prstGeom>
+          <a:ln>
+            <a:tailEnd type="arrow"/>
+          </a:ln>
+        </p:spPr>
+        <p:style>
+          <a:lnRef idx="1">
+            <a:schemeClr val="dk1"/>
+          </a:lnRef>
+          <a:fillRef idx="0">
+            <a:schemeClr val="dk1"/>
+          </a:fillRef>
+          <a:effectRef idx="0">
+            <a:schemeClr val="dk1"/>
+          </a:effectRef>
+          <a:fontRef idx="minor">
+            <a:schemeClr val="tx1"/>
+          </a:fontRef>
+        </p:style>
+      </p:cxnSp>
+      <p:pic>
+        <p:nvPicPr>
+          <p:cNvPr id="16" name="Picture 15" descr="Capture.JPG"/>
+          <p:cNvPicPr>
+            <a:picLocks noChangeAspect="1"/>
+          </p:cNvPicPr>
+          <p:nvPr/>
+        </p:nvPicPr>
+        <p:blipFill>
+          <a:blip r:embed="rId6" cstate="print"/>
+          <a:stretch>
+            <a:fillRect/>
+          </a:stretch>
+        </p:blipFill>
+        <p:spPr>
+          <a:xfrm>
+            <a:off x="3698544" y="5390865"/>
+            <a:ext cx="5909480" cy="709845"/>
+          </a:xfrm>
+          <a:prstGeom prst="rect">
+            <a:avLst/>
+          </a:prstGeom>
+        </p:spPr>
+      </p:pic>
     </p:spTree>
   </p:cSld>
   <p:clrMapOvr>
     <a:masterClrMapping/>
   </p:clrMapOvr>
+  <p:timing>
+    <p:tnLst>
+      <p:par>
+        <p:cTn id="1" dur="indefinite" restart="never" nodeType="tmRoot">
+          <p:childTnLst>
+            <p:seq concurrent="1" nextAc="seek">
+              <p:cTn id="2" dur="indefinite" nodeType="mainSeq">
+                <p:childTnLst>
+                  <p:par>
+                    <p:cTn id="3" fill="hold">
+                      <p:stCondLst>
+                        <p:cond delay="indefinite"/>
+                      </p:stCondLst>
+                      <p:childTnLst>
+                        <p:par>
+                          <p:cTn id="4" fill="hold">
+                            <p:stCondLst>
+                              <p:cond delay="0"/>
+                            </p:stCondLst>
+                            <p:childTnLst>
+                              <p:par>
+                                <p:cTn id="5" presetID="10" presetClass="entr" presetSubtype="0" fill="hold" nodeType="clickEffect">
+                                  <p:stCondLst>
+                                    <p:cond delay="0"/>
+                                  </p:stCondLst>
+                                  <p:childTnLst>
+                                    <p:set>
+                                      <p:cBhvr>
+                                        <p:cTn id="6" dur="1" fill="hold">
+                                          <p:stCondLst>
+                                            <p:cond delay="0"/>
+                                          </p:stCondLst>
+                                        </p:cTn>
+                                        <p:tgtEl>
+                                          <p:spTgt spid="5"/>
+                                        </p:tgtEl>
+                                        <p:attrNameLst>
+                                          <p:attrName>style.visibility</p:attrName>
+                                        </p:attrNameLst>
+                                      </p:cBhvr>
+                                      <p:to>
+                                        <p:strVal val="visible"/>
+                                      </p:to>
+                                    </p:set>
+                                    <p:animEffect transition="in" filter="fade">
+                                      <p:cBhvr>
+                                        <p:cTn id="7" dur="2000"/>
+                                        <p:tgtEl>
+                                          <p:spTgt spid="5"/>
+                                        </p:tgtEl>
+                                      </p:cBhvr>
+                                    </p:animEffect>
+                                  </p:childTnLst>
+                                </p:cTn>
+                              </p:par>
+                            </p:childTnLst>
+                          </p:cTn>
+                        </p:par>
+                      </p:childTnLst>
+                    </p:cTn>
+                  </p:par>
+                  <p:par>
+                    <p:cTn id="8" fill="hold">
+                      <p:stCondLst>
+                        <p:cond delay="indefinite"/>
+                      </p:stCondLst>
+                      <p:childTnLst>
+                        <p:par>
+                          <p:cTn id="9" fill="hold">
+                            <p:stCondLst>
+                              <p:cond delay="0"/>
+                            </p:stCondLst>
+                            <p:childTnLst>
+                              <p:par>
+                                <p:cTn id="10" presetID="10" presetClass="entr" presetSubtype="0" fill="hold" nodeType="clickEffect">
+                                  <p:stCondLst>
+                                    <p:cond delay="0"/>
+                                  </p:stCondLst>
+                                  <p:childTnLst>
+                                    <p:set>
+                                      <p:cBhvr>
+                                        <p:cTn id="11" dur="1" fill="hold">
+                                          <p:stCondLst>
+                                            <p:cond delay="0"/>
+                                          </p:stCondLst>
+                                        </p:cTn>
+                                        <p:tgtEl>
+                                          <p:spTgt spid="6"/>
+                                        </p:tgtEl>
+                                        <p:attrNameLst>
+                                          <p:attrName>style.visibility</p:attrName>
+                                        </p:attrNameLst>
+                                      </p:cBhvr>
+                                      <p:to>
+                                        <p:strVal val="visible"/>
+                                      </p:to>
+                                    </p:set>
+                                    <p:animEffect transition="in" filter="fade">
+                                      <p:cBhvr>
+                                        <p:cTn id="12" dur="2000"/>
+                                        <p:tgtEl>
+                                          <p:spTgt spid="6"/>
+                                        </p:tgtEl>
+                                      </p:cBhvr>
+                                    </p:animEffect>
+                                  </p:childTnLst>
+                                </p:cTn>
+                              </p:par>
+                            </p:childTnLst>
+                          </p:cTn>
+                        </p:par>
+                      </p:childTnLst>
+                    </p:cTn>
+                  </p:par>
+                  <p:par>
+                    <p:cTn id="13" fill="hold">
+                      <p:stCondLst>
+                        <p:cond delay="indefinite"/>
+                      </p:stCondLst>
+                      <p:childTnLst>
+                        <p:par>
+                          <p:cTn id="14" fill="hold">
+                            <p:stCondLst>
+                              <p:cond delay="0"/>
+                            </p:stCondLst>
+                            <p:childTnLst>
+                              <p:par>
+                                <p:cTn id="15" presetID="10" presetClass="entr" presetSubtype="0" fill="hold" nodeType="clickEffect">
+                                  <p:stCondLst>
+                                    <p:cond delay="0"/>
+                                  </p:stCondLst>
+                                  <p:childTnLst>
+                                    <p:set>
+                                      <p:cBhvr>
+                                        <p:cTn id="16" dur="1" fill="hold">
+                                          <p:stCondLst>
+                                            <p:cond delay="0"/>
+                                          </p:stCondLst>
+                                        </p:cTn>
+                                        <p:tgtEl>
+                                          <p:spTgt spid="7"/>
+                                        </p:tgtEl>
+                                        <p:attrNameLst>
+                                          <p:attrName>style.visibility</p:attrName>
+                                        </p:attrNameLst>
+                                      </p:cBhvr>
+                                      <p:to>
+                                        <p:strVal val="visible"/>
+                                      </p:to>
+                                    </p:set>
+                                    <p:animEffect transition="in" filter="fade">
+                                      <p:cBhvr>
+                                        <p:cTn id="17" dur="2000"/>
+                                        <p:tgtEl>
+                                          <p:spTgt spid="7"/>
+                                        </p:tgtEl>
+                                      </p:cBhvr>
+                                    </p:animEffect>
+                                  </p:childTnLst>
+                                </p:cTn>
+                              </p:par>
+                            </p:childTnLst>
+                          </p:cTn>
+                        </p:par>
+                      </p:childTnLst>
+                    </p:cTn>
+                  </p:par>
+                  <p:par>
+                    <p:cTn id="18" fill="hold">
+                      <p:stCondLst>
+                        <p:cond delay="indefinite"/>
+                      </p:stCondLst>
+                      <p:childTnLst>
+                        <p:par>
+                          <p:cTn id="19" fill="hold">
+                            <p:stCondLst>
+                              <p:cond delay="0"/>
+                            </p:stCondLst>
+                            <p:childTnLst>
+                              <p:par>
+                                <p:cTn id="20" presetID="10" presetClass="entr" presetSubtype="0" fill="hold" nodeType="clickEffect">
+                                  <p:stCondLst>
+                                    <p:cond delay="0"/>
+                                  </p:stCondLst>
+                                  <p:childTnLst>
+                                    <p:set>
+                                      <p:cBhvr>
+                                        <p:cTn id="21" dur="1" fill="hold">
+                                          <p:stCondLst>
+                                            <p:cond delay="0"/>
+                                          </p:stCondLst>
+                                        </p:cTn>
+                                        <p:tgtEl>
+                                          <p:spTgt spid="9"/>
+                                        </p:tgtEl>
+                                        <p:attrNameLst>
+                                          <p:attrName>style.visibility</p:attrName>
+                                        </p:attrNameLst>
+                                      </p:cBhvr>
+                                      <p:to>
+                                        <p:strVal val="visible"/>
+                                      </p:to>
+                                    </p:set>
+                                    <p:animEffect transition="in" filter="fade">
+                                      <p:cBhvr>
+                                        <p:cTn id="22" dur="2000"/>
+                                        <p:tgtEl>
+                                          <p:spTgt spid="9"/>
+                                        </p:tgtEl>
+                                      </p:cBhvr>
+                                    </p:animEffect>
+                                  </p:childTnLst>
+                                </p:cTn>
+                              </p:par>
+                            </p:childTnLst>
+                          </p:cTn>
+                        </p:par>
+                      </p:childTnLst>
+                    </p:cTn>
+                  </p:par>
+                  <p:par>
+                    <p:cTn id="23" fill="hold">
+                      <p:stCondLst>
+                        <p:cond delay="indefinite"/>
+                      </p:stCondLst>
+                      <p:childTnLst>
+                        <p:par>
+                          <p:cTn id="24" fill="hold">
+                            <p:stCondLst>
+                              <p:cond delay="0"/>
+                            </p:stCondLst>
+                            <p:childTnLst>
+                              <p:par>
+                                <p:cTn id="25" presetID="10" presetClass="entr" presetSubtype="0" fill="hold" nodeType="clickEffect">
+                                  <p:stCondLst>
+                                    <p:cond delay="0"/>
+                                  </p:stCondLst>
+                                  <p:childTnLst>
+                                    <p:set>
+                                      <p:cBhvr>
+                                        <p:cTn id="26" dur="1" fill="hold">
+                                          <p:stCondLst>
+                                            <p:cond delay="0"/>
+                                          </p:stCondLst>
+                                        </p:cTn>
+                                        <p:tgtEl>
+                                          <p:spTgt spid="16"/>
+                                        </p:tgtEl>
+                                        <p:attrNameLst>
+                                          <p:attrName>style.visibility</p:attrName>
+                                        </p:attrNameLst>
+                                      </p:cBhvr>
+                                      <p:to>
+                                        <p:strVal val="visible"/>
+                                      </p:to>
+                                    </p:set>
+                                    <p:animEffect transition="in" filter="fade">
+                                      <p:cBhvr>
+                                        <p:cTn id="27" dur="2000"/>
+                                        <p:tgtEl>
+                                          <p:spTgt spid="16"/>
+                                        </p:tgtEl>
+                                      </p:cBhvr>
+                                    </p:animEffect>
+                                  </p:childTnLst>
+                                </p:cTn>
+                              </p:par>
+                            </p:childTnLst>
+                          </p:cTn>
+                        </p:par>
+                      </p:childTnLst>
+                    </p:cTn>
+                  </p:par>
+                </p:childTnLst>
+              </p:cTn>
+              <p:prevCondLst>
+                <p:cond evt="onPrev" delay="0">
+                  <p:tgtEl>
+                    <p:sldTgt/>
+                  </p:tgtEl>
+                </p:cond>
+              </p:prevCondLst>
+              <p:nextCondLst>
+                <p:cond evt="onNext" delay="0">
+                  <p:tgtEl>
+                    <p:sldTgt/>
+                  </p:tgtEl>
+                </p:cond>
+              </p:nextCondLst>
+            </p:seq>
+          </p:childTnLst>
+        </p:cTn>
+      </p:par>
+    </p:tnLst>
+  </p:timing>
 </p:sld>
 </file>
 
@@ -4565,12 +5345,12 @@
       </p:grpSpPr>
       <p:sp>
         <p:nvSpPr>
-          <p:cNvPr id="2" name="Slide Number Placeholder 1"/>
+          <p:cNvPr id="2" name="Title 1"/>
           <p:cNvSpPr>
             <a:spLocks noGrp="1"/>
           </p:cNvSpPr>
           <p:nvPr>
-            <p:ph type="sldNum" sz="quarter" idx="12"/>
+            <p:ph type="title"/>
           </p:nvPr>
         </p:nvSpPr>
         <p:spPr/>
@@ -4578,8 +5358,31 @@
           <a:bodyPr/>
           <a:lstStyle/>
           <a:p>
-            <a:fld id="{4FAB73BC-B049-4115-A692-8D63A059BFB8}" type="slidenum">
-              <a:rPr lang="en-US" smtClean="0"/>
+            <a:r>
+              <a:rPr lang="en-IN" dirty="0" smtClean="0"/>
+              <a:t>Thermal Analysis of N-BK7</a:t>
+            </a:r>
+            <a:endParaRPr lang="en-IN" dirty="0"/>
+          </a:p>
+        </p:txBody>
+      </p:sp>
+      <p:sp>
+        <p:nvSpPr>
+          <p:cNvPr id="4" name="Slide Number Placeholder 3"/>
+          <p:cNvSpPr>
+            <a:spLocks noGrp="1"/>
+          </p:cNvSpPr>
+          <p:nvPr>
+            <p:ph type="sldNum" sz="quarter" idx="12"/>
+          </p:nvPr>
+        </p:nvSpPr>
+        <p:spPr/>
+        <p:txBody>
+          <a:bodyPr/>
+          <a:lstStyle/>
+          <a:p>
+            <a:fld id="{6113E31D-E2AB-40D1-8B51-AFA5AFEF393A}" type="slidenum">
+              <a:rPr lang="en-US" sz="1800" smtClean="0"/>
               <a:pPr/>
               <a:t>12</a:t>
             </a:fld>
@@ -4587,16 +5390,63 @@
           </a:p>
         </p:txBody>
       </p:sp>
-      <p:sp>
-        <p:nvSpPr>
-          <p:cNvPr id="3" name="TextBox 2"/>
+      <p:pic>
+        <p:nvPicPr>
+          <p:cNvPr id="5" name="Content Placeholder 3" descr="n_abs_derivative_vs_temperatureN-BK7_2.png"/>
+          <p:cNvPicPr>
+            <a:picLocks noGrp="1" noChangeAspect="1"/>
+          </p:cNvPicPr>
+          <p:nvPr>
+            <p:ph idx="1"/>
+          </p:nvPr>
+        </p:nvPicPr>
+        <p:blipFill>
+          <a:blip r:embed="rId2" cstate="print"/>
+          <a:stretch>
+            <a:fillRect/>
+          </a:stretch>
+        </p:blipFill>
+        <p:spPr>
+          <a:xfrm>
+            <a:off x="693729" y="1782750"/>
+            <a:ext cx="5434116" cy="3526229"/>
+          </a:xfrm>
+        </p:spPr>
+      </p:pic>
+      <p:pic>
+        <p:nvPicPr>
+          <p:cNvPr id="6" name="Picture 5" descr="n_rel_derivative_vs_temperatureN-BK7_2.png"/>
+          <p:cNvPicPr>
+            <a:picLocks noChangeAspect="1"/>
+          </p:cNvPicPr>
+          <p:nvPr/>
+        </p:nvPicPr>
+        <p:blipFill>
+          <a:blip r:embed="rId3" cstate="print"/>
+          <a:stretch>
+            <a:fillRect/>
+          </a:stretch>
+        </p:blipFill>
+        <p:spPr>
+          <a:xfrm>
+            <a:off x="6075594" y="1801506"/>
+            <a:ext cx="5142866" cy="3577595"/>
+          </a:xfrm>
+          <a:prstGeom prst="rect">
+            <a:avLst/>
+          </a:prstGeom>
+        </p:spPr>
+      </p:pic>
+      <p:sp>
+        <p:nvSpPr>
+          <p:cNvPr id="7" name="TextBox 6"/>
           <p:cNvSpPr txBox="1"/>
           <p:nvPr/>
         </p:nvSpPr>
         <p:spPr>
           <a:xfrm>
-            <a:off x="1026942" y="351692"/>
-            <a:ext cx="4164036" cy="2862322"/>
+            <a:off x="532262" y="5418161"/>
+            <a:ext cx="4940490" cy="1200329"/>
           </a:xfrm>
           <a:prstGeom prst="rect">
             <a:avLst/>
@@ -4609,6 +5459,842 @@
           </a:bodyPr>
           <a:lstStyle/>
           <a:p>
+            <a:pPr>
+              <a:buFont typeface="Wingdings" pitchFamily="2" charset="2"/>
+              <a:buChar char="Ø"/>
+            </a:pPr>
+            <a:r>
+              <a:rPr lang="en-IN" dirty="0" smtClean="0"/>
+              <a:t>The rate for 560 nm is greater than 1060 nm wavelength. Here the temperature range is -100 to 140 </a:t>
+            </a:r>
+            <a:r>
+              <a:rPr lang="en-IN" dirty="0" err="1" smtClean="0"/>
+              <a:t>celsius</a:t>
+            </a:r>
+            <a:r>
+              <a:rPr lang="en-IN" dirty="0" smtClean="0"/>
+              <a:t> in the first figure.</a:t>
+            </a:r>
+          </a:p>
+          <a:p>
+            <a:pPr>
+              <a:buFont typeface="Wingdings" pitchFamily="2" charset="2"/>
+              <a:buChar char="Ø"/>
+            </a:pPr>
+            <a:endParaRPr lang="en-IN" dirty="0"/>
+          </a:p>
+        </p:txBody>
+      </p:sp>
+      <p:sp>
+        <p:nvSpPr>
+          <p:cNvPr id="8" name="TextBox 7"/>
+          <p:cNvSpPr txBox="1"/>
+          <p:nvPr/>
+        </p:nvSpPr>
+        <p:spPr>
+          <a:xfrm>
+            <a:off x="6182435" y="5486400"/>
+            <a:ext cx="5759355" cy="923330"/>
+          </a:xfrm>
+          <a:prstGeom prst="rect">
+            <a:avLst/>
+          </a:prstGeom>
+          <a:noFill/>
+        </p:spPr>
+        <p:txBody>
+          <a:bodyPr wrap="square" rtlCol="0">
+            <a:spAutoFit/>
+          </a:bodyPr>
+          <a:lstStyle/>
+          <a:p>
+            <a:pPr>
+              <a:buFont typeface="Wingdings" pitchFamily="2" charset="2"/>
+              <a:buChar char="Ø"/>
+            </a:pPr>
+            <a:r>
+              <a:rPr lang="en-IN" dirty="0" smtClean="0"/>
+              <a:t>The rate is decreasing till 0 </a:t>
+            </a:r>
+            <a:r>
+              <a:rPr lang="en-IN" dirty="0" err="1" smtClean="0"/>
+              <a:t>celsius</a:t>
+            </a:r>
+            <a:r>
+              <a:rPr lang="en-IN" dirty="0" smtClean="0"/>
+              <a:t> and increasing</a:t>
+            </a:r>
+          </a:p>
+          <a:p>
+            <a:r>
+              <a:rPr lang="en-IN" dirty="0" smtClean="0"/>
+              <a:t>after that in the second figure.  (Pressure = 10320 Pa)</a:t>
+            </a:r>
+          </a:p>
+          <a:p>
+            <a:pPr>
+              <a:buFont typeface="Wingdings" pitchFamily="2" charset="2"/>
+              <a:buChar char="Ø"/>
+            </a:pPr>
+            <a:endParaRPr lang="en-IN" dirty="0"/>
+          </a:p>
+        </p:txBody>
+      </p:sp>
+    </p:spTree>
+  </p:cSld>
+  <p:clrMapOvr>
+    <a:masterClrMapping/>
+  </p:clrMapOvr>
+  <p:timing>
+    <p:tnLst>
+      <p:par>
+        <p:cTn id="1" dur="indefinite" restart="never" nodeType="tmRoot"/>
+      </p:par>
+    </p:tnLst>
+  </p:timing>
+</p:sld>
+</file>
+
+<file path=ppt/slides/slide13.xml><?xml version="1.0" encoding="utf-8"?>
+<p:sld xmlns:a="http://schemas.openxmlformats.org/drawingml/2006/main" xmlns:r="http://schemas.openxmlformats.org/officeDocument/2006/relationships" xmlns:p="http://schemas.openxmlformats.org/presentationml/2006/main">
+  <p:cSld>
+    <p:spTree>
+      <p:nvGrpSpPr>
+        <p:cNvPr id="1" name=""/>
+        <p:cNvGrpSpPr/>
+        <p:nvPr/>
+      </p:nvGrpSpPr>
+      <p:grpSpPr>
+        <a:xfrm>
+          <a:off x="0" y="0"/>
+          <a:ext cx="0" cy="0"/>
+          <a:chOff x="0" y="0"/>
+          <a:chExt cx="0" cy="0"/>
+        </a:xfrm>
+      </p:grpSpPr>
+      <p:sp>
+        <p:nvSpPr>
+          <p:cNvPr id="2" name="Title 1"/>
+          <p:cNvSpPr>
+            <a:spLocks noGrp="1"/>
+          </p:cNvSpPr>
+          <p:nvPr>
+            <p:ph type="title"/>
+          </p:nvPr>
+        </p:nvSpPr>
+        <p:spPr>
+          <a:xfrm>
+            <a:off x="1001745" y="-725379"/>
+            <a:ext cx="10058400" cy="1450757"/>
+          </a:xfrm>
+        </p:spPr>
+        <p:txBody>
+          <a:bodyPr/>
+          <a:lstStyle/>
+          <a:p>
+            <a:r>
+              <a:rPr lang="en-IN" dirty="0" smtClean="0"/>
+              <a:t>Thermal Analysis of </a:t>
+            </a:r>
+            <a:r>
+              <a:rPr lang="en-IN" dirty="0" smtClean="0"/>
+              <a:t>N-BK7...</a:t>
+            </a:r>
+            <a:r>
+              <a:rPr lang="en-IN" dirty="0" err="1" smtClean="0"/>
+              <a:t>cond</a:t>
+            </a:r>
+            <a:endParaRPr lang="en-IN" dirty="0"/>
+          </a:p>
+        </p:txBody>
+      </p:sp>
+      <p:graphicFrame>
+        <p:nvGraphicFramePr>
+          <p:cNvPr id="6" name="Content Placeholder 5"/>
+          <p:cNvGraphicFramePr>
+            <a:graphicFrameLocks noGrp="1"/>
+          </p:cNvGraphicFramePr>
+          <p:nvPr>
+            <p:ph idx="1"/>
+          </p:nvPr>
+        </p:nvGraphicFramePr>
+        <p:xfrm>
+          <a:off x="5786652" y="2333767"/>
+          <a:ext cx="6405348" cy="3248872"/>
+        </p:xfrm>
+        <a:graphic>
+          <a:graphicData uri="http://schemas.openxmlformats.org/drawingml/2006/table">
+            <a:tbl>
+              <a:tblPr firstRow="1" bandRow="1">
+                <a:tableStyleId>{5C22544A-7EE6-4342-B048-85BDC9FD1C3A}</a:tableStyleId>
+              </a:tblPr>
+              <a:tblGrid>
+                <a:gridCol w="1748082"/>
+                <a:gridCol w="2262223"/>
+                <a:gridCol w="2395043"/>
+              </a:tblGrid>
+              <a:tr h="411036">
+                <a:tc>
+                  <a:txBody>
+                    <a:bodyPr/>
+                    <a:lstStyle/>
+                    <a:p>
+                      <a:pPr algn="ctr"/>
+                      <a:r>
+                        <a:rPr lang="en-IN" dirty="0" smtClean="0"/>
+                        <a:t>Pressure (Pa)</a:t>
+                      </a:r>
+                      <a:endParaRPr lang="en-IN" dirty="0"/>
+                    </a:p>
+                  </a:txBody>
+                  <a:tcPr/>
+                </a:tc>
+                <a:tc>
+                  <a:txBody>
+                    <a:bodyPr/>
+                    <a:lstStyle/>
+                    <a:p>
+                      <a:pPr algn="ctr"/>
+                      <a:r>
+                        <a:rPr lang="en-IN" dirty="0" smtClean="0"/>
+                        <a:t>Temperature (C)</a:t>
+                      </a:r>
+                      <a:endParaRPr lang="en-IN" dirty="0"/>
+                    </a:p>
+                  </a:txBody>
+                  <a:tcPr/>
+                </a:tc>
+                <a:tc>
+                  <a:txBody>
+                    <a:bodyPr/>
+                    <a:lstStyle/>
+                    <a:p>
+                      <a:pPr algn="ctr"/>
+                      <a:r>
+                        <a:rPr lang="en-IN" dirty="0" smtClean="0"/>
+                        <a:t>Refractive index</a:t>
+                      </a:r>
+                      <a:endParaRPr lang="en-IN" dirty="0"/>
+                    </a:p>
+                  </a:txBody>
+                  <a:tcPr/>
+                </a:tc>
+              </a:tr>
+              <a:tr h="709459">
+                <a:tc rowSpan="2">
+                  <a:txBody>
+                    <a:bodyPr/>
+                    <a:lstStyle/>
+                    <a:p>
+                      <a:pPr algn="ctr"/>
+                      <a:r>
+                        <a:rPr lang="en-IN" dirty="0" smtClean="0"/>
+                        <a:t>103250</a:t>
+                      </a:r>
+                      <a:endParaRPr lang="en-IN" dirty="0"/>
+                    </a:p>
+                  </a:txBody>
+                  <a:tcPr/>
+                </a:tc>
+                <a:tc>
+                  <a:txBody>
+                    <a:bodyPr/>
+                    <a:lstStyle/>
+                    <a:p>
+                      <a:pPr algn="ctr"/>
+                      <a:r>
+                        <a:rPr lang="en-IN" dirty="0" smtClean="0"/>
+                        <a:t>20</a:t>
+                      </a:r>
+                      <a:endParaRPr lang="en-IN" dirty="0"/>
+                    </a:p>
+                  </a:txBody>
+                  <a:tcPr/>
+                </a:tc>
+                <a:tc>
+                  <a:txBody>
+                    <a:bodyPr/>
+                    <a:lstStyle/>
+                    <a:p>
+                      <a:pPr algn="ctr"/>
+                      <a:r>
+                        <a:rPr lang="en-IN" dirty="0" smtClean="0"/>
+                        <a:t>1.5066875568966998 </a:t>
+                      </a:r>
+                      <a:endParaRPr lang="en-IN" dirty="0"/>
+                    </a:p>
+                  </a:txBody>
+                  <a:tcPr/>
+                </a:tc>
+              </a:tr>
+              <a:tr h="709459">
+                <a:tc vMerge="1">
+                  <a:txBody>
+                    <a:bodyPr/>
+                    <a:lstStyle/>
+                    <a:p>
+                      <a:pPr algn="ctr"/>
+                      <a:endParaRPr lang="en-IN" dirty="0"/>
+                    </a:p>
+                  </a:txBody>
+                  <a:tcPr/>
+                </a:tc>
+                <a:tc>
+                  <a:txBody>
+                    <a:bodyPr/>
+                    <a:lstStyle/>
+                    <a:p>
+                      <a:pPr algn="ctr"/>
+                      <a:r>
+                        <a:rPr lang="en-IN" dirty="0" smtClean="0"/>
+                        <a:t>40</a:t>
+                      </a:r>
+                      <a:endParaRPr lang="en-IN" dirty="0"/>
+                    </a:p>
+                  </a:txBody>
+                  <a:tcPr/>
+                </a:tc>
+                <a:tc>
+                  <a:txBody>
+                    <a:bodyPr/>
+                    <a:lstStyle/>
+                    <a:p>
+                      <a:pPr algn="ctr"/>
+                      <a:r>
+                        <a:rPr lang="en-IN" dirty="0" smtClean="0"/>
+                        <a:t>1.506727581074728</a:t>
+                      </a:r>
+                      <a:endParaRPr lang="en-IN" b="1" dirty="0"/>
+                    </a:p>
+                  </a:txBody>
+                  <a:tcPr/>
+                </a:tc>
+              </a:tr>
+              <a:tr h="709459">
+                <a:tc rowSpan="2">
+                  <a:txBody>
+                    <a:bodyPr/>
+                    <a:lstStyle/>
+                    <a:p>
+                      <a:pPr algn="ctr"/>
+                      <a:r>
+                        <a:rPr lang="en-IN" dirty="0" smtClean="0"/>
+                        <a:t>90000</a:t>
+                      </a:r>
+                      <a:endParaRPr lang="en-IN" dirty="0"/>
+                    </a:p>
+                  </a:txBody>
+                  <a:tcPr/>
+                </a:tc>
+                <a:tc>
+                  <a:txBody>
+                    <a:bodyPr/>
+                    <a:lstStyle/>
+                    <a:p>
+                      <a:pPr algn="ctr"/>
+                      <a:r>
+                        <a:rPr lang="en-IN" dirty="0" smtClean="0"/>
+                        <a:t>20</a:t>
+                      </a:r>
+                      <a:endParaRPr lang="en-IN" dirty="0"/>
+                    </a:p>
+                  </a:txBody>
+                  <a:tcPr/>
+                </a:tc>
+                <a:tc>
+                  <a:txBody>
+                    <a:bodyPr/>
+                    <a:lstStyle/>
+                    <a:p>
+                      <a:pPr algn="ctr"/>
+                      <a:r>
+                        <a:rPr lang="en-IN" dirty="0" smtClean="0"/>
+                        <a:t>1.506732895237537</a:t>
+                      </a:r>
+                      <a:endParaRPr lang="en-IN" dirty="0"/>
+                    </a:p>
+                  </a:txBody>
+                  <a:tcPr/>
+                </a:tc>
+              </a:tr>
+              <a:tr h="709459">
+                <a:tc vMerge="1">
+                  <a:txBody>
+                    <a:bodyPr/>
+                    <a:lstStyle/>
+                    <a:p>
+                      <a:pPr algn="ctr"/>
+                      <a:endParaRPr lang="en-IN" dirty="0"/>
+                    </a:p>
+                  </a:txBody>
+                  <a:tcPr/>
+                </a:tc>
+                <a:tc>
+                  <a:txBody>
+                    <a:bodyPr/>
+                    <a:lstStyle/>
+                    <a:p>
+                      <a:pPr algn="ctr"/>
+                      <a:r>
+                        <a:rPr lang="en-IN" dirty="0" smtClean="0"/>
+                        <a:t>40</a:t>
+                      </a:r>
+                      <a:endParaRPr lang="en-IN" dirty="0"/>
+                    </a:p>
+                  </a:txBody>
+                  <a:tcPr/>
+                </a:tc>
+                <a:tc>
+                  <a:txBody>
+                    <a:bodyPr/>
+                    <a:lstStyle/>
+                    <a:p>
+                      <a:pPr algn="ctr"/>
+                      <a:r>
+                        <a:rPr lang="en-IN" dirty="0" smtClean="0"/>
+                        <a:t>1.5067772329259013</a:t>
+                      </a:r>
+                      <a:endParaRPr lang="en-IN" dirty="0"/>
+                    </a:p>
+                  </a:txBody>
+                  <a:tcPr/>
+                </a:tc>
+              </a:tr>
+            </a:tbl>
+          </a:graphicData>
+        </a:graphic>
+      </p:graphicFrame>
+      <p:sp>
+        <p:nvSpPr>
+          <p:cNvPr id="4" name="Slide Number Placeholder 3"/>
+          <p:cNvSpPr>
+            <a:spLocks noGrp="1"/>
+          </p:cNvSpPr>
+          <p:nvPr>
+            <p:ph type="sldNum" sz="quarter" idx="12"/>
+          </p:nvPr>
+        </p:nvSpPr>
+        <p:spPr/>
+        <p:txBody>
+          <a:bodyPr/>
+          <a:lstStyle/>
+          <a:p>
+            <a:fld id="{6113E31D-E2AB-40D1-8B51-AFA5AFEF393A}" type="slidenum">
+              <a:rPr lang="en-US" sz="1800" smtClean="0"/>
+              <a:pPr/>
+              <a:t>13</a:t>
+            </a:fld>
+            <a:endParaRPr lang="en-US" sz="1800" dirty="0"/>
+          </a:p>
+        </p:txBody>
+      </p:sp>
+      <p:sp>
+        <p:nvSpPr>
+          <p:cNvPr id="5" name="TextBox 4"/>
+          <p:cNvSpPr txBox="1"/>
+          <p:nvPr/>
+        </p:nvSpPr>
+        <p:spPr>
+          <a:xfrm>
+            <a:off x="7233313" y="1705972"/>
+            <a:ext cx="3957851" cy="646331"/>
+          </a:xfrm>
+          <a:prstGeom prst="rect">
+            <a:avLst/>
+          </a:prstGeom>
+          <a:noFill/>
+        </p:spPr>
+        <p:txBody>
+          <a:bodyPr wrap="square" rtlCol="0">
+            <a:spAutoFit/>
+          </a:bodyPr>
+          <a:lstStyle/>
+          <a:p>
+            <a:r>
+              <a:rPr lang="en-IN" dirty="0" smtClean="0"/>
+              <a:t>Wavelength : </a:t>
+            </a:r>
+            <a:r>
+              <a:rPr lang="en-IN" b="1" dirty="0" smtClean="0"/>
+              <a:t>1060 nm</a:t>
+            </a:r>
+          </a:p>
+          <a:p>
+            <a:endParaRPr lang="en-IN" b="1" dirty="0"/>
+          </a:p>
+        </p:txBody>
+      </p:sp>
+      <p:pic>
+        <p:nvPicPr>
+          <p:cNvPr id="7" name="Picture 6" descr="n_vs_temperatureN-BK7_2.png"/>
+          <p:cNvPicPr>
+            <a:picLocks noChangeAspect="1"/>
+          </p:cNvPicPr>
+          <p:nvPr/>
+        </p:nvPicPr>
+        <p:blipFill>
+          <a:blip r:embed="rId2"/>
+          <a:stretch>
+            <a:fillRect/>
+          </a:stretch>
+        </p:blipFill>
+        <p:spPr>
+          <a:xfrm>
+            <a:off x="0" y="1187355"/>
+            <a:ext cx="5786651" cy="5049671"/>
+          </a:xfrm>
+          <a:prstGeom prst="rect">
+            <a:avLst/>
+          </a:prstGeom>
+        </p:spPr>
+      </p:pic>
+      <p:sp>
+        <p:nvSpPr>
+          <p:cNvPr id="8" name="TextBox 7"/>
+          <p:cNvSpPr txBox="1"/>
+          <p:nvPr/>
+        </p:nvSpPr>
+        <p:spPr>
+          <a:xfrm>
+            <a:off x="832513" y="996286"/>
+            <a:ext cx="6005015" cy="923330"/>
+          </a:xfrm>
+          <a:prstGeom prst="rect">
+            <a:avLst/>
+          </a:prstGeom>
+          <a:noFill/>
+        </p:spPr>
+        <p:txBody>
+          <a:bodyPr wrap="square" rtlCol="0">
+            <a:spAutoFit/>
+          </a:bodyPr>
+          <a:lstStyle/>
+          <a:p>
+            <a:pPr>
+              <a:buFont typeface="Wingdings" pitchFamily="2" charset="2"/>
+              <a:buChar char="Ø"/>
+            </a:pPr>
+            <a:r>
+              <a:rPr lang="en-IN" dirty="0" smtClean="0"/>
+              <a:t>Green colour for pressure 90000 Pa</a:t>
+            </a:r>
+          </a:p>
+          <a:p>
+            <a:pPr>
+              <a:buFont typeface="Wingdings" pitchFamily="2" charset="2"/>
+              <a:buChar char="Ø"/>
+            </a:pPr>
+            <a:r>
+              <a:rPr lang="en-IN" dirty="0" smtClean="0"/>
+              <a:t>Blue colour for pressure 103250 Pa</a:t>
+            </a:r>
+          </a:p>
+          <a:p>
+            <a:pPr>
+              <a:buFont typeface="Wingdings" pitchFamily="2" charset="2"/>
+              <a:buChar char="Ø"/>
+            </a:pPr>
+            <a:endParaRPr lang="en-IN" dirty="0"/>
+          </a:p>
+        </p:txBody>
+      </p:sp>
+    </p:spTree>
+  </p:cSld>
+  <p:clrMapOvr>
+    <a:masterClrMapping/>
+  </p:clrMapOvr>
+  <p:timing>
+    <p:tnLst>
+      <p:par>
+        <p:cTn id="1" dur="indefinite" restart="never" nodeType="tmRoot"/>
+      </p:par>
+    </p:tnLst>
+  </p:timing>
+</p:sld>
+</file>
+
+<file path=ppt/slides/slide14.xml><?xml version="1.0" encoding="utf-8"?>
+<p:sld xmlns:a="http://schemas.openxmlformats.org/drawingml/2006/main" xmlns:r="http://schemas.openxmlformats.org/officeDocument/2006/relationships" xmlns:p="http://schemas.openxmlformats.org/presentationml/2006/main">
+  <p:cSld>
+    <p:spTree>
+      <p:nvGrpSpPr>
+        <p:cNvPr id="1" name=""/>
+        <p:cNvGrpSpPr/>
+        <p:nvPr/>
+      </p:nvGrpSpPr>
+      <p:grpSpPr>
+        <a:xfrm>
+          <a:off x="0" y="0"/>
+          <a:ext cx="0" cy="0"/>
+          <a:chOff x="0" y="0"/>
+          <a:chExt cx="0" cy="0"/>
+        </a:xfrm>
+      </p:grpSpPr>
+      <p:sp>
+        <p:nvSpPr>
+          <p:cNvPr id="2" name="Title 1"/>
+          <p:cNvSpPr>
+            <a:spLocks noGrp="1"/>
+          </p:cNvSpPr>
+          <p:nvPr>
+            <p:ph type="title"/>
+          </p:nvPr>
+        </p:nvSpPr>
+        <p:spPr/>
+        <p:txBody>
+          <a:bodyPr/>
+          <a:lstStyle/>
+          <a:p>
+            <a:r>
+              <a:rPr lang="en-IN" dirty="0" smtClean="0"/>
+              <a:t>Verification of the thermal analysis data</a:t>
+            </a:r>
+            <a:br>
+              <a:rPr lang="en-IN" dirty="0" smtClean="0"/>
+            </a:br>
+            <a:r>
+              <a:rPr lang="en-IN" dirty="0" smtClean="0"/>
+              <a:t>(RI absolute)</a:t>
+            </a:r>
+            <a:endParaRPr lang="en-IN" dirty="0"/>
+          </a:p>
+        </p:txBody>
+      </p:sp>
+      <p:pic>
+        <p:nvPicPr>
+          <p:cNvPr id="9" name="Content Placeholder 8" descr="derivative_n_abs_change_plot.png"/>
+          <p:cNvPicPr>
+            <a:picLocks noGrp="1" noChangeAspect="1"/>
+          </p:cNvPicPr>
+          <p:nvPr>
+            <p:ph idx="1"/>
+          </p:nvPr>
+        </p:nvPicPr>
+        <p:blipFill>
+          <a:blip r:embed="rId2"/>
+          <a:stretch>
+            <a:fillRect/>
+          </a:stretch>
+        </p:blipFill>
+        <p:spPr>
+          <a:xfrm>
+            <a:off x="1992573" y="1828800"/>
+            <a:ext cx="8147714" cy="5029200"/>
+          </a:xfrm>
+        </p:spPr>
+      </p:pic>
+      <p:sp>
+        <p:nvSpPr>
+          <p:cNvPr id="4" name="Slide Number Placeholder 3"/>
+          <p:cNvSpPr>
+            <a:spLocks noGrp="1"/>
+          </p:cNvSpPr>
+          <p:nvPr>
+            <p:ph type="sldNum" sz="quarter" idx="12"/>
+          </p:nvPr>
+        </p:nvSpPr>
+        <p:spPr>
+          <a:xfrm>
+            <a:off x="10064231" y="6492875"/>
+            <a:ext cx="1312025" cy="365125"/>
+          </a:xfrm>
+        </p:spPr>
+        <p:txBody>
+          <a:bodyPr/>
+          <a:lstStyle/>
+          <a:p>
+            <a:fld id="{6113E31D-E2AB-40D1-8B51-AFA5AFEF393A}" type="slidenum">
+              <a:rPr lang="en-US" sz="1800" smtClean="0"/>
+              <a:pPr/>
+              <a:t>14</a:t>
+            </a:fld>
+            <a:endParaRPr lang="en-US" dirty="0"/>
+          </a:p>
+        </p:txBody>
+      </p:sp>
+    </p:spTree>
+  </p:cSld>
+  <p:clrMapOvr>
+    <a:masterClrMapping/>
+  </p:clrMapOvr>
+  <p:timing>
+    <p:tnLst>
+      <p:par>
+        <p:cTn id="1" dur="indefinite" restart="never" nodeType="tmRoot"/>
+      </p:par>
+    </p:tnLst>
+  </p:timing>
+</p:sld>
+</file>
+
+<file path=ppt/slides/slide15.xml><?xml version="1.0" encoding="utf-8"?>
+<p:sld xmlns:a="http://schemas.openxmlformats.org/drawingml/2006/main" xmlns:r="http://schemas.openxmlformats.org/officeDocument/2006/relationships" xmlns:p="http://schemas.openxmlformats.org/presentationml/2006/main">
+  <p:cSld>
+    <p:spTree>
+      <p:nvGrpSpPr>
+        <p:cNvPr id="1" name=""/>
+        <p:cNvGrpSpPr/>
+        <p:nvPr/>
+      </p:nvGrpSpPr>
+      <p:grpSpPr>
+        <a:xfrm>
+          <a:off x="0" y="0"/>
+          <a:ext cx="0" cy="0"/>
+          <a:chOff x="0" y="0"/>
+          <a:chExt cx="0" cy="0"/>
+        </a:xfrm>
+      </p:grpSpPr>
+      <p:sp>
+        <p:nvSpPr>
+          <p:cNvPr id="2" name="Title 1"/>
+          <p:cNvSpPr>
+            <a:spLocks noGrp="1"/>
+          </p:cNvSpPr>
+          <p:nvPr>
+            <p:ph type="title"/>
+          </p:nvPr>
+        </p:nvSpPr>
+        <p:spPr/>
+        <p:txBody>
+          <a:bodyPr/>
+          <a:lstStyle/>
+          <a:p>
+            <a:r>
+              <a:rPr lang="en-IN" dirty="0" smtClean="0"/>
+              <a:t>Verification of the thermal analysis data</a:t>
+            </a:r>
+            <a:br>
+              <a:rPr lang="en-IN" dirty="0" smtClean="0"/>
+            </a:br>
+            <a:r>
+              <a:rPr lang="en-IN" dirty="0" smtClean="0"/>
+              <a:t>(RI </a:t>
+            </a:r>
+            <a:r>
+              <a:rPr lang="en-IN" dirty="0" smtClean="0"/>
+              <a:t>relative)</a:t>
+            </a:r>
+            <a:endParaRPr lang="en-IN" dirty="0"/>
+          </a:p>
+        </p:txBody>
+      </p:sp>
+      <p:pic>
+        <p:nvPicPr>
+          <p:cNvPr id="5" name="Content Placeholder 4" descr="derivative_n_rel_change_plot.png"/>
+          <p:cNvPicPr>
+            <a:picLocks noGrp="1" noChangeAspect="1"/>
+          </p:cNvPicPr>
+          <p:nvPr>
+            <p:ph idx="1"/>
+          </p:nvPr>
+        </p:nvPicPr>
+        <p:blipFill>
+          <a:blip r:embed="rId2"/>
+          <a:stretch>
+            <a:fillRect/>
+          </a:stretch>
+        </p:blipFill>
+        <p:spPr>
+          <a:xfrm>
+            <a:off x="2142699" y="1842447"/>
+            <a:ext cx="7792872" cy="5015553"/>
+          </a:xfrm>
+        </p:spPr>
+      </p:pic>
+      <p:sp>
+        <p:nvSpPr>
+          <p:cNvPr id="4" name="Slide Number Placeholder 3"/>
+          <p:cNvSpPr>
+            <a:spLocks noGrp="1"/>
+          </p:cNvSpPr>
+          <p:nvPr>
+            <p:ph type="sldNum" sz="quarter" idx="12"/>
+          </p:nvPr>
+        </p:nvSpPr>
+        <p:spPr/>
+        <p:txBody>
+          <a:bodyPr/>
+          <a:lstStyle/>
+          <a:p>
+            <a:fld id="{6113E31D-E2AB-40D1-8B51-AFA5AFEF393A}" type="slidenum">
+              <a:rPr lang="en-US" sz="1800" smtClean="0"/>
+              <a:pPr/>
+              <a:t>15</a:t>
+            </a:fld>
+            <a:endParaRPr lang="en-US" dirty="0"/>
+          </a:p>
+        </p:txBody>
+      </p:sp>
+    </p:spTree>
+  </p:cSld>
+  <p:clrMapOvr>
+    <a:masterClrMapping/>
+  </p:clrMapOvr>
+</p:sld>
+</file>
+
+<file path=ppt/slides/slide16.xml><?xml version="1.0" encoding="utf-8"?>
+<p:sld xmlns:a="http://schemas.openxmlformats.org/drawingml/2006/main" xmlns:r="http://schemas.openxmlformats.org/officeDocument/2006/relationships" xmlns:p="http://schemas.openxmlformats.org/presentationml/2006/main">
+  <p:cSld>
+    <p:spTree>
+      <p:nvGrpSpPr>
+        <p:cNvPr id="1" name=""/>
+        <p:cNvGrpSpPr/>
+        <p:nvPr/>
+      </p:nvGrpSpPr>
+      <p:grpSpPr>
+        <a:xfrm>
+          <a:off x="0" y="0"/>
+          <a:ext cx="0" cy="0"/>
+          <a:chOff x="0" y="0"/>
+          <a:chExt cx="0" cy="0"/>
+        </a:xfrm>
+      </p:grpSpPr>
+      <p:sp>
+        <p:nvSpPr>
+          <p:cNvPr id="2" name="Slide Number Placeholder 1"/>
+          <p:cNvSpPr>
+            <a:spLocks noGrp="1"/>
+          </p:cNvSpPr>
+          <p:nvPr>
+            <p:ph type="sldNum" sz="quarter" idx="12"/>
+          </p:nvPr>
+        </p:nvSpPr>
+        <p:spPr/>
+        <p:txBody>
+          <a:bodyPr/>
+          <a:lstStyle/>
+          <a:p>
+            <a:fld id="{4FAB73BC-B049-4115-A692-8D63A059BFB8}" type="slidenum">
+              <a:rPr lang="en-US" sz="1800" smtClean="0"/>
+              <a:pPr/>
+              <a:t>16</a:t>
+            </a:fld>
+            <a:endParaRPr lang="en-US" sz="1800" dirty="0"/>
+          </a:p>
+        </p:txBody>
+      </p:sp>
+      <p:sp>
+        <p:nvSpPr>
+          <p:cNvPr id="3" name="TextBox 2"/>
+          <p:cNvSpPr txBox="1"/>
+          <p:nvPr/>
+        </p:nvSpPr>
+        <p:spPr>
+          <a:xfrm>
+            <a:off x="1026942" y="351692"/>
+            <a:ext cx="4164036" cy="4524315"/>
+          </a:xfrm>
+          <a:prstGeom prst="rect">
+            <a:avLst/>
+          </a:prstGeom>
+          <a:noFill/>
+        </p:spPr>
+        <p:txBody>
+          <a:bodyPr wrap="square" rtlCol="0">
+            <a:spAutoFit/>
+          </a:bodyPr>
+          <a:lstStyle/>
+          <a:p>
             <a:r>
               <a:rPr lang="en-IN" dirty="0" smtClean="0">
                 <a:hlinkClick r:id="rId2"/>
@@ -4637,7 +6323,13 @@
               <a:rPr lang="en-IN" dirty="0" smtClean="0">
                 <a:hlinkClick r:id="rId4"/>
               </a:rPr>
-              <a:t>https://refractiveindex.info/?shelf=glass&amp;book=SCHOTT-BK&amp;page=N-BK7</a:t>
+              <a:t>https://refractiveindex.info/?</a:t>
+            </a:r>
+            <a:r>
+              <a:rPr lang="en-IN" dirty="0" smtClean="0">
+                <a:hlinkClick r:id="rId4"/>
+              </a:rPr>
+              <a:t>shelf=glass&amp;book=SCHOTT-BK&amp;page=N-BK7</a:t>
             </a:r>
             <a:endParaRPr lang="en-IN" dirty="0" smtClean="0"/>
           </a:p>
@@ -4645,7 +6337,2732 @@
             <a:endParaRPr lang="en-IN" dirty="0" smtClean="0"/>
           </a:p>
           <a:p>
+            <a:r>
+              <a:rPr lang="en-IN" dirty="0" smtClean="0">
+                <a:hlinkClick r:id="rId5"/>
+              </a:rPr>
+              <a:t>https://www.schott.com/d/advanced_optics/3794eded-edd2-461d-aec5-0a1d2dc9c523/1.1/schott_tie-19_temperature_coefficient_of_refractive_index_eng.pdf</a:t>
+            </a:r>
+            <a:endParaRPr lang="en-IN" dirty="0" smtClean="0"/>
+          </a:p>
+          <a:p>
+            <a:endParaRPr lang="en-IN" dirty="0" smtClean="0"/>
+          </a:p>
+          <a:p>
             <a:endParaRPr lang="en-IN" dirty="0"/>
+          </a:p>
+        </p:txBody>
+      </p:sp>
+      <p:sp>
+        <p:nvSpPr>
+          <p:cNvPr id="4" name="TextBox 3"/>
+          <p:cNvSpPr txBox="1"/>
+          <p:nvPr/>
+        </p:nvSpPr>
+        <p:spPr>
+          <a:xfrm>
+            <a:off x="6387152" y="655093"/>
+            <a:ext cx="3521123" cy="523220"/>
+          </a:xfrm>
+          <a:prstGeom prst="rect">
+            <a:avLst/>
+          </a:prstGeom>
+          <a:noFill/>
+        </p:spPr>
+        <p:txBody>
+          <a:bodyPr wrap="square" rtlCol="0">
+            <a:spAutoFit/>
+          </a:bodyPr>
+          <a:lstStyle/>
+          <a:p>
+            <a:r>
+              <a:rPr lang="en-IN" sz="2800" b="1" dirty="0" smtClean="0"/>
+              <a:t>References</a:t>
+            </a:r>
+            <a:endParaRPr lang="en-IN" sz="2800" b="1" dirty="0"/>
+          </a:p>
+        </p:txBody>
+      </p:sp>
+    </p:spTree>
+  </p:cSld>
+  <p:clrMapOvr>
+    <a:masterClrMapping/>
+  </p:clrMapOvr>
+  <p:timing>
+    <p:tnLst>
+      <p:par>
+        <p:cTn id="1" dur="indefinite" restart="never" nodeType="tmRoot"/>
+      </p:par>
+    </p:tnLst>
+  </p:timing>
+</p:sld>
+</file>
+
+<file path=ppt/slides/slide17.xml><?xml version="1.0" encoding="utf-8"?>
+<p:sld xmlns:a="http://schemas.openxmlformats.org/drawingml/2006/main" xmlns:r="http://schemas.openxmlformats.org/officeDocument/2006/relationships" xmlns:p="http://schemas.openxmlformats.org/presentationml/2006/main">
+  <p:cSld>
+    <p:spTree>
+      <p:nvGrpSpPr>
+        <p:cNvPr id="1" name=""/>
+        <p:cNvGrpSpPr/>
+        <p:nvPr/>
+      </p:nvGrpSpPr>
+      <p:grpSpPr>
+        <a:xfrm>
+          <a:off x="0" y="0"/>
+          <a:ext cx="0" cy="0"/>
+          <a:chOff x="0" y="0"/>
+          <a:chExt cx="0" cy="0"/>
+        </a:xfrm>
+      </p:grpSpPr>
+      <p:sp>
+        <p:nvSpPr>
+          <p:cNvPr id="2" name="Title 1"/>
+          <p:cNvSpPr>
+            <a:spLocks noGrp="1"/>
+          </p:cNvSpPr>
+          <p:nvPr>
+            <p:ph type="title"/>
+          </p:nvPr>
+        </p:nvSpPr>
+        <p:spPr/>
+        <p:txBody>
+          <a:bodyPr/>
+          <a:lstStyle/>
+          <a:p>
+            <a:r>
+              <a:rPr lang="en-IN" dirty="0" smtClean="0"/>
+              <a:t>Verification of RI </a:t>
+            </a:r>
+            <a:r>
+              <a:rPr lang="en-IN" dirty="0" err="1" smtClean="0"/>
+              <a:t>vs</a:t>
+            </a:r>
+            <a:r>
+              <a:rPr lang="en-IN" dirty="0" smtClean="0"/>
+              <a:t> wavelength </a:t>
+            </a:r>
+            <a:br>
+              <a:rPr lang="en-IN" dirty="0" smtClean="0"/>
+            </a:br>
+            <a:r>
+              <a:rPr lang="en-IN" dirty="0" smtClean="0"/>
+              <a:t>(raw data)</a:t>
+            </a:r>
+            <a:endParaRPr lang="en-IN" dirty="0"/>
+          </a:p>
+        </p:txBody>
+      </p:sp>
+      <p:graphicFrame>
+        <p:nvGraphicFramePr>
+          <p:cNvPr id="5" name="Content Placeholder 4"/>
+          <p:cNvGraphicFramePr>
+            <a:graphicFrameLocks noGrp="1"/>
+          </p:cNvGraphicFramePr>
+          <p:nvPr>
+            <p:ph idx="1"/>
+          </p:nvPr>
+        </p:nvGraphicFramePr>
+        <p:xfrm>
+          <a:off x="1056020" y="1982740"/>
+          <a:ext cx="10058400" cy="3524885"/>
+        </p:xfrm>
+        <a:graphic>
+          <a:graphicData uri="http://schemas.openxmlformats.org/drawingml/2006/table">
+            <a:tbl>
+              <a:tblPr firstRow="1" bandRow="1">
+                <a:tableStyleId>{5C22544A-7EE6-4342-B048-85BDC9FD1C3A}</a:tableStyleId>
+              </a:tblPr>
+              <a:tblGrid>
+                <a:gridCol w="1676400"/>
+                <a:gridCol w="1676400"/>
+                <a:gridCol w="1676400"/>
+                <a:gridCol w="1676400"/>
+                <a:gridCol w="1676400"/>
+                <a:gridCol w="1676400"/>
+              </a:tblGrid>
+              <a:tr h="370840">
+                <a:tc>
+                  <a:txBody>
+                    <a:bodyPr/>
+                    <a:lstStyle/>
+                    <a:p>
+                      <a:pPr algn="ctr" fontAlgn="b"/>
+                      <a:r>
+                        <a:rPr lang="en-IN" sz="1800" b="1" i="0" u="none" strike="noStrike" dirty="0">
+                          <a:solidFill>
+                            <a:schemeClr val="bg1"/>
+                          </a:solidFill>
+                          <a:latin typeface="Calibri"/>
+                        </a:rPr>
+                        <a:t>Glass name</a:t>
+                      </a:r>
+                    </a:p>
+                  </a:txBody>
+                  <a:tcPr marL="9525" marR="9525" marT="9525" marB="0" anchor="b"/>
+                </a:tc>
+                <a:tc>
+                  <a:txBody>
+                    <a:bodyPr/>
+                    <a:lstStyle/>
+                    <a:p>
+                      <a:pPr algn="ctr" fontAlgn="b"/>
+                      <a:r>
+                        <a:rPr lang="en-IN" sz="1800" b="1" i="0" u="none" strike="noStrike" dirty="0">
+                          <a:solidFill>
+                            <a:schemeClr val="bg1"/>
+                          </a:solidFill>
+                          <a:latin typeface="Calibri"/>
+                        </a:rPr>
+                        <a:t>Glass </a:t>
+                      </a:r>
+                      <a:r>
+                        <a:rPr lang="en-IN" sz="1800" b="1" i="0" u="none" strike="noStrike" dirty="0" err="1">
+                          <a:solidFill>
+                            <a:schemeClr val="bg1"/>
+                          </a:solidFill>
+                          <a:latin typeface="Calibri"/>
+                        </a:rPr>
+                        <a:t>catalog</a:t>
+                      </a:r>
+                      <a:endParaRPr lang="en-IN" sz="1800" b="1" i="0" u="none" strike="noStrike" dirty="0">
+                        <a:solidFill>
+                          <a:schemeClr val="bg1"/>
+                        </a:solidFill>
+                        <a:latin typeface="Calibri"/>
+                      </a:endParaRPr>
+                    </a:p>
+                  </a:txBody>
+                  <a:tcPr marL="9525" marR="9525" marT="9525" marB="0" anchor="b"/>
+                </a:tc>
+                <a:tc>
+                  <a:txBody>
+                    <a:bodyPr/>
+                    <a:lstStyle/>
+                    <a:p>
+                      <a:pPr algn="ctr" fontAlgn="b"/>
+                      <a:r>
+                        <a:rPr lang="en-IN" sz="1800" b="1" i="0" u="none" strike="noStrike" dirty="0">
+                          <a:solidFill>
+                            <a:schemeClr val="bg1"/>
+                          </a:solidFill>
+                          <a:latin typeface="Calibri"/>
+                        </a:rPr>
+                        <a:t>Wavelength</a:t>
+                      </a:r>
+                    </a:p>
+                  </a:txBody>
+                  <a:tcPr marL="9525" marR="9525" marT="9525" marB="0" anchor="b"/>
+                </a:tc>
+                <a:tc>
+                  <a:txBody>
+                    <a:bodyPr/>
+                    <a:lstStyle/>
+                    <a:p>
+                      <a:pPr algn="ctr" fontAlgn="b"/>
+                      <a:r>
+                        <a:rPr lang="en-IN" sz="1800" b="1" i="0" u="none" strike="noStrike" dirty="0">
+                          <a:solidFill>
+                            <a:schemeClr val="bg1"/>
+                          </a:solidFill>
+                          <a:latin typeface="Calibri"/>
+                        </a:rPr>
+                        <a:t>Refractive index in web</a:t>
+                      </a:r>
+                    </a:p>
+                  </a:txBody>
+                  <a:tcPr marL="9525" marR="9525" marT="9525" marB="0" anchor="b"/>
+                </a:tc>
+                <a:tc>
+                  <a:txBody>
+                    <a:bodyPr/>
+                    <a:lstStyle/>
+                    <a:p>
+                      <a:pPr algn="ctr" fontAlgn="b"/>
+                      <a:r>
+                        <a:rPr lang="en-IN" sz="1800" b="1" i="0" u="none" strike="noStrike" dirty="0">
+                          <a:solidFill>
+                            <a:schemeClr val="bg1"/>
+                          </a:solidFill>
+                          <a:latin typeface="Calibri"/>
+                        </a:rPr>
+                        <a:t>Refractive index calculated</a:t>
+                      </a:r>
+                    </a:p>
+                  </a:txBody>
+                  <a:tcPr marL="9525" marR="9525" marT="9525" marB="0" anchor="b"/>
+                </a:tc>
+                <a:tc>
+                  <a:txBody>
+                    <a:bodyPr/>
+                    <a:lstStyle/>
+                    <a:p>
+                      <a:pPr algn="ctr" fontAlgn="b"/>
+                      <a:r>
+                        <a:rPr lang="en-IN" sz="1800" b="1" i="0" u="none" strike="noStrike" dirty="0">
+                          <a:solidFill>
+                            <a:schemeClr val="bg1"/>
+                          </a:solidFill>
+                          <a:latin typeface="Calibri"/>
+                        </a:rPr>
+                        <a:t>Difference of RI</a:t>
+                      </a:r>
+                    </a:p>
+                  </a:txBody>
+                  <a:tcPr marL="9525" marR="9525" marT="9525" marB="0" anchor="b"/>
+                </a:tc>
+              </a:tr>
+              <a:tr h="370840">
+                <a:tc>
+                  <a:txBody>
+                    <a:bodyPr/>
+                    <a:lstStyle/>
+                    <a:p>
+                      <a:pPr algn="ctr" fontAlgn="b"/>
+                      <a:endParaRPr lang="en-IN" sz="1800" b="0" i="0" u="none" strike="noStrike">
+                        <a:solidFill>
+                          <a:srgbClr val="000000"/>
+                        </a:solidFill>
+                        <a:latin typeface="Calibri"/>
+                      </a:endParaRPr>
+                    </a:p>
+                  </a:txBody>
+                  <a:tcPr marL="9525" marR="9525" marT="9525" marB="0" anchor="b"/>
+                </a:tc>
+                <a:tc>
+                  <a:txBody>
+                    <a:bodyPr/>
+                    <a:lstStyle/>
+                    <a:p>
+                      <a:pPr algn="ctr" fontAlgn="b"/>
+                      <a:endParaRPr lang="en-IN" sz="1800" b="0" i="0" u="none" strike="noStrike">
+                        <a:solidFill>
+                          <a:srgbClr val="000000"/>
+                        </a:solidFill>
+                        <a:latin typeface="Calibri"/>
+                      </a:endParaRPr>
+                    </a:p>
+                  </a:txBody>
+                  <a:tcPr marL="9525" marR="9525" marT="9525" marB="0" anchor="b"/>
+                </a:tc>
+                <a:tc>
+                  <a:txBody>
+                    <a:bodyPr/>
+                    <a:lstStyle/>
+                    <a:p>
+                      <a:pPr algn="ctr" fontAlgn="b"/>
+                      <a:endParaRPr lang="en-IN" sz="1800" b="0" i="0" u="none" strike="noStrike">
+                        <a:solidFill>
+                          <a:srgbClr val="000000"/>
+                        </a:solidFill>
+                        <a:latin typeface="Calibri"/>
+                      </a:endParaRPr>
+                    </a:p>
+                  </a:txBody>
+                  <a:tcPr marL="9525" marR="9525" marT="9525" marB="0" anchor="b"/>
+                </a:tc>
+                <a:tc>
+                  <a:txBody>
+                    <a:bodyPr/>
+                    <a:lstStyle/>
+                    <a:p>
+                      <a:pPr algn="ctr" fontAlgn="b"/>
+                      <a:endParaRPr lang="en-IN" sz="1800" b="0" i="0" u="none" strike="noStrike">
+                        <a:solidFill>
+                          <a:srgbClr val="000000"/>
+                        </a:solidFill>
+                        <a:latin typeface="Calibri"/>
+                      </a:endParaRPr>
+                    </a:p>
+                  </a:txBody>
+                  <a:tcPr marL="9525" marR="9525" marT="9525" marB="0" anchor="b"/>
+                </a:tc>
+                <a:tc>
+                  <a:txBody>
+                    <a:bodyPr/>
+                    <a:lstStyle/>
+                    <a:p>
+                      <a:pPr algn="ctr" fontAlgn="b"/>
+                      <a:endParaRPr lang="en-IN" sz="1800" b="0" i="0" u="none" strike="noStrike">
+                        <a:solidFill>
+                          <a:srgbClr val="000000"/>
+                        </a:solidFill>
+                        <a:latin typeface="Calibri"/>
+                      </a:endParaRPr>
+                    </a:p>
+                  </a:txBody>
+                  <a:tcPr marL="9525" marR="9525" marT="9525" marB="0" anchor="b"/>
+                </a:tc>
+                <a:tc>
+                  <a:txBody>
+                    <a:bodyPr/>
+                    <a:lstStyle/>
+                    <a:p>
+                      <a:pPr algn="ctr" fontAlgn="b"/>
+                      <a:endParaRPr lang="en-IN" sz="1800" b="0" i="0" u="none" strike="noStrike">
+                        <a:solidFill>
+                          <a:srgbClr val="000000"/>
+                        </a:solidFill>
+                        <a:latin typeface="Calibri"/>
+                      </a:endParaRPr>
+                    </a:p>
+                  </a:txBody>
+                  <a:tcPr marL="9525" marR="9525" marT="9525" marB="0" anchor="b"/>
+                </a:tc>
+              </a:tr>
+              <a:tr h="370840">
+                <a:tc>
+                  <a:txBody>
+                    <a:bodyPr/>
+                    <a:lstStyle/>
+                    <a:p>
+                      <a:pPr algn="ctr" fontAlgn="b"/>
+                      <a:r>
+                        <a:rPr lang="en-IN" sz="1800" b="0" i="0" u="none" strike="noStrike">
+                          <a:solidFill>
+                            <a:srgbClr val="000000"/>
+                          </a:solidFill>
+                          <a:latin typeface="Calibri"/>
+                        </a:rPr>
+                        <a:t>K5G20</a:t>
+                      </a:r>
+                    </a:p>
+                  </a:txBody>
+                  <a:tcPr marL="9525" marR="9525" marT="9525" marB="0" anchor="b"/>
+                </a:tc>
+                <a:tc>
+                  <a:txBody>
+                    <a:bodyPr/>
+                    <a:lstStyle/>
+                    <a:p>
+                      <a:pPr algn="ctr" fontAlgn="b"/>
+                      <a:r>
+                        <a:rPr lang="en-IN" sz="1800" b="0" i="0" u="none" strike="noStrike" dirty="0">
+                          <a:solidFill>
+                            <a:srgbClr val="000000"/>
+                          </a:solidFill>
+                          <a:latin typeface="Calibri"/>
+                        </a:rPr>
+                        <a:t>SCHOTT-K</a:t>
+                      </a:r>
+                    </a:p>
+                  </a:txBody>
+                  <a:tcPr marL="9525" marR="9525" marT="9525" marB="0" anchor="b"/>
+                </a:tc>
+                <a:tc>
+                  <a:txBody>
+                    <a:bodyPr/>
+                    <a:lstStyle/>
+                    <a:p>
+                      <a:pPr algn="ctr" fontAlgn="b"/>
+                      <a:r>
+                        <a:rPr lang="en-IN" sz="1800" b="0" i="0" u="none" strike="noStrike">
+                          <a:solidFill>
+                            <a:srgbClr val="000000"/>
+                          </a:solidFill>
+                          <a:latin typeface="Calibri"/>
+                        </a:rPr>
+                        <a:t>1.435</a:t>
+                      </a:r>
+                    </a:p>
+                  </a:txBody>
+                  <a:tcPr marL="9525" marR="9525" marT="9525" marB="0" anchor="b"/>
+                </a:tc>
+                <a:tc>
+                  <a:txBody>
+                    <a:bodyPr/>
+                    <a:lstStyle/>
+                    <a:p>
+                      <a:pPr algn="ctr" fontAlgn="b"/>
+                      <a:r>
+                        <a:rPr lang="en-IN" sz="1800" b="0" i="0" u="none" strike="noStrike">
+                          <a:solidFill>
+                            <a:srgbClr val="000000"/>
+                          </a:solidFill>
+                          <a:latin typeface="Calibri"/>
+                        </a:rPr>
+                        <a:t>1.508314</a:t>
+                      </a:r>
+                    </a:p>
+                  </a:txBody>
+                  <a:tcPr marL="9525" marR="9525" marT="9525" marB="0" anchor="b"/>
+                </a:tc>
+                <a:tc>
+                  <a:txBody>
+                    <a:bodyPr/>
+                    <a:lstStyle/>
+                    <a:p>
+                      <a:pPr algn="ctr" fontAlgn="b"/>
+                      <a:r>
+                        <a:rPr lang="en-IN" sz="1800" b="0" i="0" u="none" strike="noStrike">
+                          <a:solidFill>
+                            <a:srgbClr val="000000"/>
+                          </a:solidFill>
+                          <a:latin typeface="Calibri"/>
+                        </a:rPr>
+                        <a:t>1.508314</a:t>
+                      </a:r>
+                    </a:p>
+                  </a:txBody>
+                  <a:tcPr marL="9525" marR="9525" marT="9525" marB="0" anchor="b"/>
+                </a:tc>
+                <a:tc>
+                  <a:txBody>
+                    <a:bodyPr/>
+                    <a:lstStyle/>
+                    <a:p>
+                      <a:pPr algn="ctr" fontAlgn="b"/>
+                      <a:r>
+                        <a:rPr lang="en-IN" sz="1800" b="0" i="0" u="none" strike="noStrike">
+                          <a:solidFill>
+                            <a:srgbClr val="000000"/>
+                          </a:solidFill>
+                          <a:latin typeface="Calibri"/>
+                        </a:rPr>
+                        <a:t>-2.69E-14</a:t>
+                      </a:r>
+                    </a:p>
+                  </a:txBody>
+                  <a:tcPr marL="9525" marR="9525" marT="9525" marB="0" anchor="b"/>
+                </a:tc>
+              </a:tr>
+              <a:tr h="370840">
+                <a:tc>
+                  <a:txBody>
+                    <a:bodyPr/>
+                    <a:lstStyle/>
+                    <a:p>
+                      <a:pPr algn="ctr" fontAlgn="b"/>
+                      <a:endParaRPr lang="en-IN" sz="1800" b="0" i="0" u="none" strike="noStrike">
+                        <a:solidFill>
+                          <a:srgbClr val="000000"/>
+                        </a:solidFill>
+                        <a:latin typeface="Calibri"/>
+                      </a:endParaRPr>
+                    </a:p>
+                  </a:txBody>
+                  <a:tcPr marL="9525" marR="9525" marT="9525" marB="0" anchor="b"/>
+                </a:tc>
+                <a:tc>
+                  <a:txBody>
+                    <a:bodyPr/>
+                    <a:lstStyle/>
+                    <a:p>
+                      <a:pPr algn="ctr" fontAlgn="b"/>
+                      <a:endParaRPr lang="en-IN" sz="1800" b="0" i="0" u="none" strike="noStrike">
+                        <a:solidFill>
+                          <a:srgbClr val="000000"/>
+                        </a:solidFill>
+                        <a:latin typeface="Calibri"/>
+                      </a:endParaRPr>
+                    </a:p>
+                  </a:txBody>
+                  <a:tcPr marL="9525" marR="9525" marT="9525" marB="0" anchor="b"/>
+                </a:tc>
+                <a:tc>
+                  <a:txBody>
+                    <a:bodyPr/>
+                    <a:lstStyle/>
+                    <a:p>
+                      <a:pPr algn="ctr" fontAlgn="b"/>
+                      <a:endParaRPr lang="en-IN" sz="1800" b="0" i="0" u="none" strike="noStrike">
+                        <a:solidFill>
+                          <a:srgbClr val="000000"/>
+                        </a:solidFill>
+                        <a:latin typeface="Calibri"/>
+                      </a:endParaRPr>
+                    </a:p>
+                  </a:txBody>
+                  <a:tcPr marL="9525" marR="9525" marT="9525" marB="0" anchor="b"/>
+                </a:tc>
+                <a:tc>
+                  <a:txBody>
+                    <a:bodyPr/>
+                    <a:lstStyle/>
+                    <a:p>
+                      <a:pPr algn="ctr" fontAlgn="b"/>
+                      <a:endParaRPr lang="en-IN" sz="1800" b="0" i="0" u="none" strike="noStrike">
+                        <a:solidFill>
+                          <a:srgbClr val="000000"/>
+                        </a:solidFill>
+                        <a:latin typeface="Calibri"/>
+                      </a:endParaRPr>
+                    </a:p>
+                  </a:txBody>
+                  <a:tcPr marL="9525" marR="9525" marT="9525" marB="0" anchor="b"/>
+                </a:tc>
+                <a:tc>
+                  <a:txBody>
+                    <a:bodyPr/>
+                    <a:lstStyle/>
+                    <a:p>
+                      <a:pPr algn="ctr" fontAlgn="b"/>
+                      <a:endParaRPr lang="en-IN" sz="1800" b="0" i="0" u="none" strike="noStrike">
+                        <a:solidFill>
+                          <a:srgbClr val="000000"/>
+                        </a:solidFill>
+                        <a:latin typeface="Calibri"/>
+                      </a:endParaRPr>
+                    </a:p>
+                  </a:txBody>
+                  <a:tcPr marL="9525" marR="9525" marT="9525" marB="0" anchor="b"/>
+                </a:tc>
+                <a:tc>
+                  <a:txBody>
+                    <a:bodyPr/>
+                    <a:lstStyle/>
+                    <a:p>
+                      <a:pPr algn="ctr" fontAlgn="b"/>
+                      <a:endParaRPr lang="en-IN" sz="1800" b="0" i="0" u="none" strike="noStrike">
+                        <a:solidFill>
+                          <a:srgbClr val="000000"/>
+                        </a:solidFill>
+                        <a:latin typeface="Calibri"/>
+                      </a:endParaRPr>
+                    </a:p>
+                  </a:txBody>
+                  <a:tcPr marL="9525" marR="9525" marT="9525" marB="0" anchor="b"/>
+                </a:tc>
+              </a:tr>
+              <a:tr h="370840">
+                <a:tc>
+                  <a:txBody>
+                    <a:bodyPr/>
+                    <a:lstStyle/>
+                    <a:p>
+                      <a:pPr algn="ctr" fontAlgn="b"/>
+                      <a:r>
+                        <a:rPr lang="en-IN" sz="1800" b="0" i="0" u="none" strike="noStrike">
+                          <a:solidFill>
+                            <a:srgbClr val="000000"/>
+                          </a:solidFill>
+                          <a:latin typeface="Calibri"/>
+                        </a:rPr>
+                        <a:t>N-SK15</a:t>
+                      </a:r>
+                    </a:p>
+                  </a:txBody>
+                  <a:tcPr marL="9525" marR="9525" marT="9525" marB="0" anchor="b"/>
+                </a:tc>
+                <a:tc>
+                  <a:txBody>
+                    <a:bodyPr/>
+                    <a:lstStyle/>
+                    <a:p>
+                      <a:pPr algn="ctr" fontAlgn="b"/>
+                      <a:r>
+                        <a:rPr lang="en-IN" sz="1800" b="0" i="0" u="none" strike="noStrike">
+                          <a:solidFill>
+                            <a:srgbClr val="000000"/>
+                          </a:solidFill>
+                          <a:latin typeface="Calibri"/>
+                        </a:rPr>
+                        <a:t>SCHOTT-SK</a:t>
+                      </a:r>
+                    </a:p>
+                  </a:txBody>
+                  <a:tcPr marL="9525" marR="9525" marT="9525" marB="0" anchor="b"/>
+                </a:tc>
+                <a:tc>
+                  <a:txBody>
+                    <a:bodyPr/>
+                    <a:lstStyle/>
+                    <a:p>
+                      <a:pPr algn="ctr" fontAlgn="b"/>
+                      <a:r>
+                        <a:rPr lang="en-IN" sz="1800" b="0" i="0" u="none" strike="noStrike">
+                          <a:solidFill>
+                            <a:srgbClr val="000000"/>
+                          </a:solidFill>
+                          <a:latin typeface="Calibri"/>
+                        </a:rPr>
+                        <a:t>1.417</a:t>
+                      </a:r>
+                    </a:p>
+                  </a:txBody>
+                  <a:tcPr marL="9525" marR="9525" marT="9525" marB="0" anchor="b"/>
+                </a:tc>
+                <a:tc>
+                  <a:txBody>
+                    <a:bodyPr/>
+                    <a:lstStyle/>
+                    <a:p>
+                      <a:pPr algn="ctr" fontAlgn="b"/>
+                      <a:r>
+                        <a:rPr lang="en-IN" sz="1800" b="0" i="0" u="none" strike="noStrike">
+                          <a:solidFill>
+                            <a:srgbClr val="000000"/>
+                          </a:solidFill>
+                          <a:latin typeface="Calibri"/>
+                        </a:rPr>
+                        <a:t>1.605526</a:t>
+                      </a:r>
+                    </a:p>
+                  </a:txBody>
+                  <a:tcPr marL="9525" marR="9525" marT="9525" marB="0" anchor="b"/>
+                </a:tc>
+                <a:tc>
+                  <a:txBody>
+                    <a:bodyPr/>
+                    <a:lstStyle/>
+                    <a:p>
+                      <a:pPr algn="ctr" fontAlgn="b"/>
+                      <a:r>
+                        <a:rPr lang="en-IN" sz="1800" b="0" i="0" u="none" strike="noStrike">
+                          <a:solidFill>
+                            <a:srgbClr val="000000"/>
+                          </a:solidFill>
+                          <a:latin typeface="Calibri"/>
+                        </a:rPr>
+                        <a:t>1.605526</a:t>
+                      </a:r>
+                    </a:p>
+                  </a:txBody>
+                  <a:tcPr marL="9525" marR="9525" marT="9525" marB="0" anchor="b"/>
+                </a:tc>
+                <a:tc>
+                  <a:txBody>
+                    <a:bodyPr/>
+                    <a:lstStyle/>
+                    <a:p>
+                      <a:pPr algn="ctr" fontAlgn="b"/>
+                      <a:r>
+                        <a:rPr lang="en-IN" sz="1800" b="0" i="0" u="none" strike="noStrike">
+                          <a:solidFill>
+                            <a:srgbClr val="000000"/>
+                          </a:solidFill>
+                          <a:latin typeface="Calibri"/>
+                        </a:rPr>
+                        <a:t>-4.64E-14</a:t>
+                      </a:r>
+                    </a:p>
+                  </a:txBody>
+                  <a:tcPr marL="9525" marR="9525" marT="9525" marB="0" anchor="b"/>
+                </a:tc>
+              </a:tr>
+              <a:tr h="370840">
+                <a:tc>
+                  <a:txBody>
+                    <a:bodyPr/>
+                    <a:lstStyle/>
+                    <a:p>
+                      <a:pPr algn="ctr" fontAlgn="b"/>
+                      <a:endParaRPr lang="en-IN" sz="1800" b="0" i="0" u="none" strike="noStrike">
+                        <a:solidFill>
+                          <a:srgbClr val="000000"/>
+                        </a:solidFill>
+                        <a:latin typeface="Calibri"/>
+                      </a:endParaRPr>
+                    </a:p>
+                  </a:txBody>
+                  <a:tcPr marL="9525" marR="9525" marT="9525" marB="0" anchor="b"/>
+                </a:tc>
+                <a:tc>
+                  <a:txBody>
+                    <a:bodyPr/>
+                    <a:lstStyle/>
+                    <a:p>
+                      <a:pPr algn="ctr" fontAlgn="b"/>
+                      <a:endParaRPr lang="en-IN" sz="1800" b="0" i="0" u="none" strike="noStrike">
+                        <a:solidFill>
+                          <a:srgbClr val="000000"/>
+                        </a:solidFill>
+                        <a:latin typeface="Calibri"/>
+                      </a:endParaRPr>
+                    </a:p>
+                  </a:txBody>
+                  <a:tcPr marL="9525" marR="9525" marT="9525" marB="0" anchor="b"/>
+                </a:tc>
+                <a:tc>
+                  <a:txBody>
+                    <a:bodyPr/>
+                    <a:lstStyle/>
+                    <a:p>
+                      <a:pPr algn="ctr" fontAlgn="b"/>
+                      <a:endParaRPr lang="en-IN" sz="1800" b="0" i="0" u="none" strike="noStrike">
+                        <a:solidFill>
+                          <a:srgbClr val="000000"/>
+                        </a:solidFill>
+                        <a:latin typeface="Calibri"/>
+                      </a:endParaRPr>
+                    </a:p>
+                  </a:txBody>
+                  <a:tcPr marL="9525" marR="9525" marT="9525" marB="0" anchor="b"/>
+                </a:tc>
+                <a:tc>
+                  <a:txBody>
+                    <a:bodyPr/>
+                    <a:lstStyle/>
+                    <a:p>
+                      <a:pPr algn="ctr" fontAlgn="b"/>
+                      <a:endParaRPr lang="en-IN" sz="1800" b="0" i="0" u="none" strike="noStrike">
+                        <a:solidFill>
+                          <a:srgbClr val="000000"/>
+                        </a:solidFill>
+                        <a:latin typeface="Calibri"/>
+                      </a:endParaRPr>
+                    </a:p>
+                  </a:txBody>
+                  <a:tcPr marL="9525" marR="9525" marT="9525" marB="0" anchor="b"/>
+                </a:tc>
+                <a:tc>
+                  <a:txBody>
+                    <a:bodyPr/>
+                    <a:lstStyle/>
+                    <a:p>
+                      <a:pPr algn="ctr" fontAlgn="b"/>
+                      <a:endParaRPr lang="en-IN" sz="1800" b="0" i="0" u="none" strike="noStrike">
+                        <a:solidFill>
+                          <a:srgbClr val="000000"/>
+                        </a:solidFill>
+                        <a:latin typeface="Calibri"/>
+                      </a:endParaRPr>
+                    </a:p>
+                  </a:txBody>
+                  <a:tcPr marL="9525" marR="9525" marT="9525" marB="0" anchor="b"/>
+                </a:tc>
+                <a:tc>
+                  <a:txBody>
+                    <a:bodyPr/>
+                    <a:lstStyle/>
+                    <a:p>
+                      <a:pPr algn="ctr" fontAlgn="b"/>
+                      <a:endParaRPr lang="en-IN" sz="1800" b="0" i="0" u="none" strike="noStrike">
+                        <a:solidFill>
+                          <a:srgbClr val="000000"/>
+                        </a:solidFill>
+                        <a:latin typeface="Calibri"/>
+                      </a:endParaRPr>
+                    </a:p>
+                  </a:txBody>
+                  <a:tcPr marL="9525" marR="9525" marT="9525" marB="0" anchor="b"/>
+                </a:tc>
+              </a:tr>
+              <a:tr h="370840">
+                <a:tc>
+                  <a:txBody>
+                    <a:bodyPr/>
+                    <a:lstStyle/>
+                    <a:p>
+                      <a:pPr algn="ctr" fontAlgn="b"/>
+                      <a:r>
+                        <a:rPr lang="en-IN" sz="1800" b="0" i="0" u="none" strike="noStrike">
+                          <a:solidFill>
+                            <a:srgbClr val="000000"/>
+                          </a:solidFill>
+                          <a:latin typeface="Calibri"/>
+                        </a:rPr>
+                        <a:t>N-SSK5</a:t>
+                      </a:r>
+                    </a:p>
+                  </a:txBody>
+                  <a:tcPr marL="9525" marR="9525" marT="9525" marB="0" anchor="b"/>
+                </a:tc>
+                <a:tc>
+                  <a:txBody>
+                    <a:bodyPr/>
+                    <a:lstStyle/>
+                    <a:p>
+                      <a:pPr algn="ctr" fontAlgn="b"/>
+                      <a:r>
+                        <a:rPr lang="en-IN" sz="1800" b="0" i="0" u="none" strike="noStrike">
+                          <a:solidFill>
+                            <a:srgbClr val="000000"/>
+                          </a:solidFill>
+                          <a:latin typeface="Calibri"/>
+                        </a:rPr>
+                        <a:t>SCHOTT-SSK</a:t>
+                      </a:r>
+                    </a:p>
+                  </a:txBody>
+                  <a:tcPr marL="9525" marR="9525" marT="9525" marB="0" anchor="b"/>
+                </a:tc>
+                <a:tc>
+                  <a:txBody>
+                    <a:bodyPr/>
+                    <a:lstStyle/>
+                    <a:p>
+                      <a:pPr algn="ctr" fontAlgn="b"/>
+                      <a:r>
+                        <a:rPr lang="en-IN" sz="1800" b="0" i="0" u="none" strike="noStrike" dirty="0">
+                          <a:solidFill>
+                            <a:srgbClr val="000000"/>
+                          </a:solidFill>
+                          <a:latin typeface="Calibri"/>
+                        </a:rPr>
+                        <a:t>1.425</a:t>
+                      </a:r>
+                    </a:p>
+                  </a:txBody>
+                  <a:tcPr marL="9525" marR="9525" marT="9525" marB="0" anchor="b"/>
+                </a:tc>
+                <a:tc>
+                  <a:txBody>
+                    <a:bodyPr/>
+                    <a:lstStyle/>
+                    <a:p>
+                      <a:pPr algn="ctr" fontAlgn="b"/>
+                      <a:r>
+                        <a:rPr lang="en-IN" sz="1800" b="0" i="0" u="none" strike="noStrike">
+                          <a:solidFill>
+                            <a:srgbClr val="000000"/>
+                          </a:solidFill>
+                          <a:latin typeface="Calibri"/>
+                        </a:rPr>
+                        <a:t>1.638549</a:t>
+                      </a:r>
+                    </a:p>
+                  </a:txBody>
+                  <a:tcPr marL="9525" marR="9525" marT="9525" marB="0" anchor="b"/>
+                </a:tc>
+                <a:tc>
+                  <a:txBody>
+                    <a:bodyPr/>
+                    <a:lstStyle/>
+                    <a:p>
+                      <a:pPr algn="ctr" fontAlgn="b"/>
+                      <a:r>
+                        <a:rPr lang="en-IN" sz="1800" b="0" i="0" u="none" strike="noStrike">
+                          <a:solidFill>
+                            <a:srgbClr val="000000"/>
+                          </a:solidFill>
+                          <a:latin typeface="Calibri"/>
+                        </a:rPr>
+                        <a:t>1.638549</a:t>
+                      </a:r>
+                    </a:p>
+                  </a:txBody>
+                  <a:tcPr marL="9525" marR="9525" marT="9525" marB="0" anchor="b"/>
+                </a:tc>
+                <a:tc>
+                  <a:txBody>
+                    <a:bodyPr/>
+                    <a:lstStyle/>
+                    <a:p>
+                      <a:pPr algn="ctr" fontAlgn="b"/>
+                      <a:r>
+                        <a:rPr lang="en-IN" sz="1800" b="0" i="0" u="none" strike="noStrike">
+                          <a:solidFill>
+                            <a:srgbClr val="000000"/>
+                          </a:solidFill>
+                          <a:latin typeface="Calibri"/>
+                        </a:rPr>
+                        <a:t>-4.66E-14</a:t>
+                      </a:r>
+                    </a:p>
+                  </a:txBody>
+                  <a:tcPr marL="9525" marR="9525" marT="9525" marB="0" anchor="b"/>
+                </a:tc>
+              </a:tr>
+              <a:tr h="370840">
+                <a:tc>
+                  <a:txBody>
+                    <a:bodyPr/>
+                    <a:lstStyle/>
+                    <a:p>
+                      <a:pPr algn="ctr" fontAlgn="b"/>
+                      <a:endParaRPr lang="en-IN" sz="1800" b="0" i="0" u="none" strike="noStrike">
+                        <a:solidFill>
+                          <a:srgbClr val="000000"/>
+                        </a:solidFill>
+                        <a:latin typeface="Calibri"/>
+                      </a:endParaRPr>
+                    </a:p>
+                  </a:txBody>
+                  <a:tcPr marL="9525" marR="9525" marT="9525" marB="0" anchor="b"/>
+                </a:tc>
+                <a:tc>
+                  <a:txBody>
+                    <a:bodyPr/>
+                    <a:lstStyle/>
+                    <a:p>
+                      <a:pPr algn="ctr" fontAlgn="b"/>
+                      <a:endParaRPr lang="en-IN" sz="1800" b="0" i="0" u="none" strike="noStrike">
+                        <a:solidFill>
+                          <a:srgbClr val="000000"/>
+                        </a:solidFill>
+                        <a:latin typeface="Calibri"/>
+                      </a:endParaRPr>
+                    </a:p>
+                  </a:txBody>
+                  <a:tcPr marL="9525" marR="9525" marT="9525" marB="0" anchor="b"/>
+                </a:tc>
+                <a:tc>
+                  <a:txBody>
+                    <a:bodyPr/>
+                    <a:lstStyle/>
+                    <a:p>
+                      <a:pPr algn="ctr" fontAlgn="b"/>
+                      <a:endParaRPr lang="en-IN" sz="1800" b="0" i="0" u="none" strike="noStrike">
+                        <a:solidFill>
+                          <a:srgbClr val="000000"/>
+                        </a:solidFill>
+                        <a:latin typeface="Calibri"/>
+                      </a:endParaRPr>
+                    </a:p>
+                  </a:txBody>
+                  <a:tcPr marL="9525" marR="9525" marT="9525" marB="0" anchor="b"/>
+                </a:tc>
+                <a:tc>
+                  <a:txBody>
+                    <a:bodyPr/>
+                    <a:lstStyle/>
+                    <a:p>
+                      <a:pPr algn="ctr" fontAlgn="b"/>
+                      <a:endParaRPr lang="en-IN" sz="1800" b="0" i="0" u="none" strike="noStrike">
+                        <a:solidFill>
+                          <a:srgbClr val="000000"/>
+                        </a:solidFill>
+                        <a:latin typeface="Calibri"/>
+                      </a:endParaRPr>
+                    </a:p>
+                  </a:txBody>
+                  <a:tcPr marL="9525" marR="9525" marT="9525" marB="0" anchor="b"/>
+                </a:tc>
+                <a:tc>
+                  <a:txBody>
+                    <a:bodyPr/>
+                    <a:lstStyle/>
+                    <a:p>
+                      <a:pPr algn="ctr" fontAlgn="b"/>
+                      <a:endParaRPr lang="en-IN" sz="1800" b="0" i="0" u="none" strike="noStrike">
+                        <a:solidFill>
+                          <a:srgbClr val="000000"/>
+                        </a:solidFill>
+                        <a:latin typeface="Calibri"/>
+                      </a:endParaRPr>
+                    </a:p>
+                  </a:txBody>
+                  <a:tcPr marL="9525" marR="9525" marT="9525" marB="0" anchor="b"/>
+                </a:tc>
+                <a:tc>
+                  <a:txBody>
+                    <a:bodyPr/>
+                    <a:lstStyle/>
+                    <a:p>
+                      <a:pPr algn="ctr" fontAlgn="b"/>
+                      <a:endParaRPr lang="en-IN" sz="1800" b="0" i="0" u="none" strike="noStrike">
+                        <a:solidFill>
+                          <a:srgbClr val="000000"/>
+                        </a:solidFill>
+                        <a:latin typeface="Calibri"/>
+                      </a:endParaRPr>
+                    </a:p>
+                  </a:txBody>
+                  <a:tcPr marL="9525" marR="9525" marT="9525" marB="0" anchor="b"/>
+                </a:tc>
+              </a:tr>
+              <a:tr h="370840">
+                <a:tc>
+                  <a:txBody>
+                    <a:bodyPr/>
+                    <a:lstStyle/>
+                    <a:p>
+                      <a:pPr algn="ctr" fontAlgn="b"/>
+                      <a:r>
+                        <a:rPr lang="en-IN" sz="1800" b="0" i="0" u="none" strike="noStrike">
+                          <a:solidFill>
+                            <a:srgbClr val="000000"/>
+                          </a:solidFill>
+                          <a:latin typeface="Calibri"/>
+                        </a:rPr>
+                        <a:t>N-BK7</a:t>
+                      </a:r>
+                    </a:p>
+                  </a:txBody>
+                  <a:tcPr marL="9525" marR="9525" marT="9525" marB="0" anchor="b"/>
+                </a:tc>
+                <a:tc>
+                  <a:txBody>
+                    <a:bodyPr/>
+                    <a:lstStyle/>
+                    <a:p>
+                      <a:pPr algn="ctr" fontAlgn="b"/>
+                      <a:r>
+                        <a:rPr lang="en-IN" sz="1800" b="0" i="0" u="none" strike="noStrike">
+                          <a:solidFill>
+                            <a:srgbClr val="000000"/>
+                          </a:solidFill>
+                          <a:latin typeface="Calibri"/>
+                        </a:rPr>
+                        <a:t>SCHOTT-BK</a:t>
+                      </a:r>
+                    </a:p>
+                  </a:txBody>
+                  <a:tcPr marL="9525" marR="9525" marT="9525" marB="0" anchor="b"/>
+                </a:tc>
+                <a:tc>
+                  <a:txBody>
+                    <a:bodyPr/>
+                    <a:lstStyle/>
+                    <a:p>
+                      <a:pPr algn="ctr" fontAlgn="b"/>
+                      <a:r>
+                        <a:rPr lang="en-IN" sz="1800" b="0" i="0" u="none" strike="noStrike">
+                          <a:solidFill>
+                            <a:srgbClr val="000000"/>
+                          </a:solidFill>
+                          <a:latin typeface="Calibri"/>
+                        </a:rPr>
+                        <a:t>1.4</a:t>
+                      </a:r>
+                    </a:p>
+                  </a:txBody>
+                  <a:tcPr marL="9525" marR="9525" marT="9525" marB="0" anchor="b"/>
+                </a:tc>
+                <a:tc>
+                  <a:txBody>
+                    <a:bodyPr/>
+                    <a:lstStyle/>
+                    <a:p>
+                      <a:pPr algn="ctr" fontAlgn="b"/>
+                      <a:r>
+                        <a:rPr lang="en-IN" sz="1800" b="0" i="0" u="none" strike="noStrike">
+                          <a:solidFill>
+                            <a:srgbClr val="000000"/>
+                          </a:solidFill>
+                          <a:latin typeface="Calibri"/>
+                        </a:rPr>
+                        <a:t>1.502496</a:t>
+                      </a:r>
+                    </a:p>
+                  </a:txBody>
+                  <a:tcPr marL="9525" marR="9525" marT="9525" marB="0" anchor="b"/>
+                </a:tc>
+                <a:tc>
+                  <a:txBody>
+                    <a:bodyPr/>
+                    <a:lstStyle/>
+                    <a:p>
+                      <a:pPr algn="ctr" fontAlgn="b"/>
+                      <a:r>
+                        <a:rPr lang="en-IN" sz="1800" b="0" i="0" u="none" strike="noStrike">
+                          <a:solidFill>
+                            <a:srgbClr val="000000"/>
+                          </a:solidFill>
+                          <a:latin typeface="Calibri"/>
+                        </a:rPr>
+                        <a:t>1.502496</a:t>
+                      </a:r>
+                    </a:p>
+                  </a:txBody>
+                  <a:tcPr marL="9525" marR="9525" marT="9525" marB="0" anchor="b"/>
+                </a:tc>
+                <a:tc>
+                  <a:txBody>
+                    <a:bodyPr/>
+                    <a:lstStyle/>
+                    <a:p>
+                      <a:pPr algn="ctr" fontAlgn="b"/>
+                      <a:r>
+                        <a:rPr lang="en-IN" sz="1800" b="0" i="0" u="none" strike="noStrike" dirty="0">
+                          <a:solidFill>
+                            <a:srgbClr val="000000"/>
+                          </a:solidFill>
+                          <a:latin typeface="Calibri"/>
+                        </a:rPr>
+                        <a:t>-4.53E-14</a:t>
+                      </a:r>
+                    </a:p>
+                  </a:txBody>
+                  <a:tcPr marL="9525" marR="9525" marT="9525" marB="0" anchor="b"/>
+                </a:tc>
+              </a:tr>
+            </a:tbl>
+          </a:graphicData>
+        </a:graphic>
+      </p:graphicFrame>
+      <p:sp>
+        <p:nvSpPr>
+          <p:cNvPr id="4" name="Slide Number Placeholder 3"/>
+          <p:cNvSpPr>
+            <a:spLocks noGrp="1"/>
+          </p:cNvSpPr>
+          <p:nvPr>
+            <p:ph type="sldNum" sz="quarter" idx="12"/>
+          </p:nvPr>
+        </p:nvSpPr>
+        <p:spPr/>
+        <p:txBody>
+          <a:bodyPr/>
+          <a:lstStyle/>
+          <a:p>
+            <a:fld id="{6113E31D-E2AB-40D1-8B51-AFA5AFEF393A}" type="slidenum">
+              <a:rPr lang="en-US" smtClean="0"/>
+              <a:pPr/>
+              <a:t>17</a:t>
+            </a:fld>
+            <a:endParaRPr lang="en-US" dirty="0"/>
+          </a:p>
+        </p:txBody>
+      </p:sp>
+    </p:spTree>
+  </p:cSld>
+  <p:clrMapOvr>
+    <a:masterClrMapping/>
+  </p:clrMapOvr>
+</p:sld>
+</file>
+
+<file path=ppt/slides/slide18.xml><?xml version="1.0" encoding="utf-8"?>
+<p:sld xmlns:a="http://schemas.openxmlformats.org/drawingml/2006/main" xmlns:r="http://schemas.openxmlformats.org/officeDocument/2006/relationships" xmlns:p="http://schemas.openxmlformats.org/presentationml/2006/main">
+  <p:cSld>
+    <p:spTree>
+      <p:nvGrpSpPr>
+        <p:cNvPr id="1" name=""/>
+        <p:cNvGrpSpPr/>
+        <p:nvPr/>
+      </p:nvGrpSpPr>
+      <p:grpSpPr>
+        <a:xfrm>
+          <a:off x="0" y="0"/>
+          <a:ext cx="0" cy="0"/>
+          <a:chOff x="0" y="0"/>
+          <a:chExt cx="0" cy="0"/>
+        </a:xfrm>
+      </p:grpSpPr>
+      <p:sp>
+        <p:nvSpPr>
+          <p:cNvPr id="2" name="Title 1"/>
+          <p:cNvSpPr>
+            <a:spLocks noGrp="1"/>
+          </p:cNvSpPr>
+          <p:nvPr>
+            <p:ph type="title"/>
+          </p:nvPr>
+        </p:nvSpPr>
+        <p:spPr/>
+        <p:txBody>
+          <a:bodyPr/>
+          <a:lstStyle/>
+          <a:p>
+            <a:r>
+              <a:rPr lang="en-IN" dirty="0" smtClean="0"/>
+              <a:t>Verification of thermal analysis (raw data for N-BK7)</a:t>
+            </a:r>
+            <a:endParaRPr lang="en-IN" dirty="0"/>
+          </a:p>
+        </p:txBody>
+      </p:sp>
+      <p:graphicFrame>
+        <p:nvGraphicFramePr>
+          <p:cNvPr id="5" name="Content Placeholder 4"/>
+          <p:cNvGraphicFramePr>
+            <a:graphicFrameLocks noGrp="1"/>
+          </p:cNvGraphicFramePr>
+          <p:nvPr>
+            <p:ph idx="1"/>
+          </p:nvPr>
+        </p:nvGraphicFramePr>
+        <p:xfrm>
+          <a:off x="196211" y="2665130"/>
+          <a:ext cx="5808804" cy="3396615"/>
+        </p:xfrm>
+        <a:graphic>
+          <a:graphicData uri="http://schemas.openxmlformats.org/drawingml/2006/table">
+            <a:tbl>
+              <a:tblPr firstRow="1" bandRow="1">
+                <a:tableStyleId>{5C22544A-7EE6-4342-B048-85BDC9FD1C3A}</a:tableStyleId>
+              </a:tblPr>
+              <a:tblGrid>
+                <a:gridCol w="1936268"/>
+                <a:gridCol w="1936268"/>
+                <a:gridCol w="1936268"/>
+              </a:tblGrid>
+              <a:tr h="183401">
+                <a:tc>
+                  <a:txBody>
+                    <a:bodyPr/>
+                    <a:lstStyle/>
+                    <a:p>
+                      <a:pPr algn="ctr" fontAlgn="b"/>
+                      <a:r>
+                        <a:rPr lang="en-IN" sz="1800" b="1" i="0" u="none" strike="noStrike" dirty="0">
+                          <a:solidFill>
+                            <a:schemeClr val="bg1"/>
+                          </a:solidFill>
+                          <a:latin typeface="Calibri"/>
+                        </a:rPr>
+                        <a:t>Given change in reference</a:t>
+                      </a:r>
+                    </a:p>
+                  </a:txBody>
+                  <a:tcPr marL="9525" marR="9525" marT="9525" marB="0" anchor="b"/>
+                </a:tc>
+                <a:tc>
+                  <a:txBody>
+                    <a:bodyPr/>
+                    <a:lstStyle/>
+                    <a:p>
+                      <a:pPr algn="ctr" fontAlgn="b"/>
+                      <a:r>
+                        <a:rPr lang="en-IN" sz="1800" b="1" i="0" u="none" strike="noStrike" dirty="0">
+                          <a:solidFill>
+                            <a:schemeClr val="bg1"/>
+                          </a:solidFill>
+                          <a:latin typeface="Calibri"/>
+                        </a:rPr>
+                        <a:t>Calculated by formula</a:t>
+                      </a:r>
+                    </a:p>
+                  </a:txBody>
+                  <a:tcPr marL="9525" marR="9525" marT="9525" marB="0" anchor="b"/>
+                </a:tc>
+                <a:tc>
+                  <a:txBody>
+                    <a:bodyPr/>
+                    <a:lstStyle/>
+                    <a:p>
+                      <a:pPr algn="ctr" fontAlgn="b"/>
+                      <a:r>
+                        <a:rPr lang="en-IN" sz="1800" b="1" i="0" u="none" strike="noStrike" dirty="0">
+                          <a:solidFill>
+                            <a:schemeClr val="bg1"/>
+                          </a:solidFill>
+                          <a:latin typeface="Calibri"/>
+                        </a:rPr>
+                        <a:t>Difference(10^-6)</a:t>
+                      </a:r>
+                    </a:p>
+                  </a:txBody>
+                  <a:tcPr marL="9525" marR="9525" marT="9525" marB="0" anchor="b"/>
+                </a:tc>
+              </a:tr>
+              <a:tr h="121850">
+                <a:tc>
+                  <a:txBody>
+                    <a:bodyPr/>
+                    <a:lstStyle/>
+                    <a:p>
+                      <a:pPr algn="ctr" fontAlgn="b"/>
+                      <a:endParaRPr lang="en-IN" sz="1800" b="0" i="0" u="none" strike="noStrike" dirty="0">
+                        <a:solidFill>
+                          <a:srgbClr val="000000"/>
+                        </a:solidFill>
+                        <a:latin typeface="Calibri"/>
+                      </a:endParaRPr>
+                    </a:p>
+                  </a:txBody>
+                  <a:tcPr marL="9525" marR="9525" marT="9525" marB="0" anchor="b"/>
+                </a:tc>
+                <a:tc>
+                  <a:txBody>
+                    <a:bodyPr/>
+                    <a:lstStyle/>
+                    <a:p>
+                      <a:pPr algn="ctr" fontAlgn="b"/>
+                      <a:endParaRPr lang="en-IN" sz="1800" b="0" i="0" u="none" strike="noStrike">
+                        <a:solidFill>
+                          <a:srgbClr val="000000"/>
+                        </a:solidFill>
+                        <a:latin typeface="Calibri"/>
+                      </a:endParaRPr>
+                    </a:p>
+                  </a:txBody>
+                  <a:tcPr marL="9525" marR="9525" marT="9525" marB="0" anchor="b"/>
+                </a:tc>
+                <a:tc>
+                  <a:txBody>
+                    <a:bodyPr/>
+                    <a:lstStyle/>
+                    <a:p>
+                      <a:pPr algn="ctr" fontAlgn="b"/>
+                      <a:endParaRPr lang="en-IN" sz="1800" b="0" i="0" u="none" strike="noStrike">
+                        <a:solidFill>
+                          <a:srgbClr val="000000"/>
+                        </a:solidFill>
+                        <a:latin typeface="Calibri"/>
+                      </a:endParaRPr>
+                    </a:p>
+                  </a:txBody>
+                  <a:tcPr marL="9525" marR="9525" marT="9525" marB="0" anchor="b"/>
+                </a:tc>
+              </a:tr>
+              <a:tr h="121850">
+                <a:tc>
+                  <a:txBody>
+                    <a:bodyPr/>
+                    <a:lstStyle/>
+                    <a:p>
+                      <a:pPr algn="ctr" fontAlgn="b"/>
+                      <a:r>
+                        <a:rPr lang="en-IN" sz="1800" b="0" i="0" u="none" strike="noStrike" dirty="0">
+                          <a:solidFill>
+                            <a:srgbClr val="000000"/>
+                          </a:solidFill>
+                          <a:latin typeface="Calibri"/>
+                        </a:rPr>
+                        <a:t>-6.91E-01</a:t>
+                      </a:r>
+                    </a:p>
+                  </a:txBody>
+                  <a:tcPr marL="9525" marR="9525" marT="9525" marB="0" anchor="b"/>
+                </a:tc>
+                <a:tc>
+                  <a:txBody>
+                    <a:bodyPr/>
+                    <a:lstStyle/>
+                    <a:p>
+                      <a:pPr algn="ctr" fontAlgn="b"/>
+                      <a:r>
+                        <a:rPr lang="en-IN" sz="1800" b="0" i="0" u="none" strike="noStrike" dirty="0">
+                          <a:solidFill>
+                            <a:srgbClr val="000000"/>
+                          </a:solidFill>
+                          <a:latin typeface="Calibri"/>
+                        </a:rPr>
+                        <a:t>-0.68148</a:t>
+                      </a:r>
+                    </a:p>
+                  </a:txBody>
+                  <a:tcPr marL="9525" marR="9525" marT="9525" marB="0" anchor="b"/>
+                </a:tc>
+                <a:tc>
+                  <a:txBody>
+                    <a:bodyPr/>
+                    <a:lstStyle/>
+                    <a:p>
+                      <a:pPr algn="ctr" fontAlgn="b"/>
+                      <a:r>
+                        <a:rPr lang="en-IN" sz="1800" b="0" i="0" u="none" strike="noStrike">
+                          <a:solidFill>
+                            <a:srgbClr val="000000"/>
+                          </a:solidFill>
+                          <a:latin typeface="Calibri"/>
+                        </a:rPr>
+                        <a:t>-0.00973</a:t>
+                      </a:r>
+                    </a:p>
+                  </a:txBody>
+                  <a:tcPr marL="9525" marR="9525" marT="9525" marB="0" anchor="b"/>
+                </a:tc>
+              </a:tr>
+              <a:tr h="121850">
+                <a:tc>
+                  <a:txBody>
+                    <a:bodyPr/>
+                    <a:lstStyle/>
+                    <a:p>
+                      <a:pPr algn="ctr" fontAlgn="b"/>
+                      <a:endParaRPr lang="en-IN" sz="1800" b="0" i="0" u="none" strike="noStrike" dirty="0">
+                        <a:solidFill>
+                          <a:srgbClr val="000000"/>
+                        </a:solidFill>
+                        <a:latin typeface="Calibri"/>
+                      </a:endParaRPr>
+                    </a:p>
+                  </a:txBody>
+                  <a:tcPr marL="9525" marR="9525" marT="9525" marB="0" anchor="b"/>
+                </a:tc>
+                <a:tc>
+                  <a:txBody>
+                    <a:bodyPr/>
+                    <a:lstStyle/>
+                    <a:p>
+                      <a:pPr algn="ctr" fontAlgn="b"/>
+                      <a:endParaRPr lang="en-IN" sz="1800" b="0" i="0" u="none" strike="noStrike" dirty="0">
+                        <a:solidFill>
+                          <a:srgbClr val="000000"/>
+                        </a:solidFill>
+                        <a:latin typeface="Calibri"/>
+                      </a:endParaRPr>
+                    </a:p>
+                  </a:txBody>
+                  <a:tcPr marL="9525" marR="9525" marT="9525" marB="0" anchor="b"/>
+                </a:tc>
+                <a:tc>
+                  <a:txBody>
+                    <a:bodyPr/>
+                    <a:lstStyle/>
+                    <a:p>
+                      <a:pPr algn="ctr" fontAlgn="b"/>
+                      <a:endParaRPr lang="en-IN" sz="1800" b="0" i="0" u="none" strike="noStrike">
+                        <a:solidFill>
+                          <a:srgbClr val="000000"/>
+                        </a:solidFill>
+                        <a:latin typeface="Calibri"/>
+                      </a:endParaRPr>
+                    </a:p>
+                  </a:txBody>
+                  <a:tcPr marL="9525" marR="9525" marT="9525" marB="0" anchor="b"/>
+                </a:tc>
+              </a:tr>
+              <a:tr h="121850">
+                <a:tc>
+                  <a:txBody>
+                    <a:bodyPr/>
+                    <a:lstStyle/>
+                    <a:p>
+                      <a:pPr algn="ctr" fontAlgn="b"/>
+                      <a:r>
+                        <a:rPr lang="en-IN" sz="1800" b="0" i="0" u="none" strike="noStrike">
+                          <a:solidFill>
+                            <a:srgbClr val="000000"/>
+                          </a:solidFill>
+                          <a:latin typeface="Calibri"/>
+                        </a:rPr>
+                        <a:t>-5.84E-01</a:t>
+                      </a:r>
+                    </a:p>
+                  </a:txBody>
+                  <a:tcPr marL="9525" marR="9525" marT="9525" marB="0" anchor="b"/>
+                </a:tc>
+                <a:tc>
+                  <a:txBody>
+                    <a:bodyPr/>
+                    <a:lstStyle/>
+                    <a:p>
+                      <a:pPr algn="ctr" fontAlgn="b"/>
+                      <a:r>
+                        <a:rPr lang="en-IN" sz="1800" b="0" i="0" u="none" strike="noStrike" dirty="0">
+                          <a:solidFill>
+                            <a:srgbClr val="000000"/>
+                          </a:solidFill>
+                          <a:latin typeface="Calibri"/>
+                        </a:rPr>
+                        <a:t>-0.55973</a:t>
+                      </a:r>
+                    </a:p>
+                  </a:txBody>
+                  <a:tcPr marL="9525" marR="9525" marT="9525" marB="0" anchor="b"/>
+                </a:tc>
+                <a:tc>
+                  <a:txBody>
+                    <a:bodyPr/>
+                    <a:lstStyle/>
+                    <a:p>
+                      <a:pPr algn="ctr" fontAlgn="b"/>
+                      <a:r>
+                        <a:rPr lang="en-IN" sz="1800" b="0" i="0" u="none" strike="noStrike">
+                          <a:solidFill>
+                            <a:srgbClr val="000000"/>
+                          </a:solidFill>
+                          <a:latin typeface="Calibri"/>
+                        </a:rPr>
+                        <a:t>-0.02421</a:t>
+                      </a:r>
+                    </a:p>
+                  </a:txBody>
+                  <a:tcPr marL="9525" marR="9525" marT="9525" marB="0" anchor="b"/>
+                </a:tc>
+              </a:tr>
+              <a:tr h="121850">
+                <a:tc>
+                  <a:txBody>
+                    <a:bodyPr/>
+                    <a:lstStyle/>
+                    <a:p>
+                      <a:pPr algn="ctr" fontAlgn="b"/>
+                      <a:endParaRPr lang="en-IN" sz="1800" b="0" i="0" u="none" strike="noStrike">
+                        <a:solidFill>
+                          <a:srgbClr val="000000"/>
+                        </a:solidFill>
+                        <a:latin typeface="Calibri"/>
+                      </a:endParaRPr>
+                    </a:p>
+                  </a:txBody>
+                  <a:tcPr marL="9525" marR="9525" marT="9525" marB="0" anchor="b"/>
+                </a:tc>
+                <a:tc>
+                  <a:txBody>
+                    <a:bodyPr/>
+                    <a:lstStyle/>
+                    <a:p>
+                      <a:pPr algn="ctr" fontAlgn="b"/>
+                      <a:endParaRPr lang="en-IN" sz="1800" b="0" i="0" u="none" strike="noStrike" dirty="0">
+                        <a:solidFill>
+                          <a:srgbClr val="000000"/>
+                        </a:solidFill>
+                        <a:latin typeface="Calibri"/>
+                      </a:endParaRPr>
+                    </a:p>
+                  </a:txBody>
+                  <a:tcPr marL="9525" marR="9525" marT="9525" marB="0" anchor="b"/>
+                </a:tc>
+                <a:tc>
+                  <a:txBody>
+                    <a:bodyPr/>
+                    <a:lstStyle/>
+                    <a:p>
+                      <a:pPr algn="ctr" fontAlgn="b"/>
+                      <a:endParaRPr lang="en-IN" sz="1800" b="0" i="0" u="none" strike="noStrike">
+                        <a:solidFill>
+                          <a:srgbClr val="000000"/>
+                        </a:solidFill>
+                        <a:latin typeface="Calibri"/>
+                      </a:endParaRPr>
+                    </a:p>
+                  </a:txBody>
+                  <a:tcPr marL="9525" marR="9525" marT="9525" marB="0" anchor="b"/>
+                </a:tc>
+              </a:tr>
+              <a:tr h="121850">
+                <a:tc>
+                  <a:txBody>
+                    <a:bodyPr/>
+                    <a:lstStyle/>
+                    <a:p>
+                      <a:pPr algn="ctr" fontAlgn="b"/>
+                      <a:r>
+                        <a:rPr lang="en-IN" sz="1800" b="0" i="0" u="none" strike="noStrike">
+                          <a:solidFill>
+                            <a:srgbClr val="000000"/>
+                          </a:solidFill>
+                          <a:latin typeface="Calibri"/>
+                        </a:rPr>
+                        <a:t>-2.98E-01</a:t>
+                      </a:r>
+                    </a:p>
+                  </a:txBody>
+                  <a:tcPr marL="9525" marR="9525" marT="9525" marB="0" anchor="b"/>
+                </a:tc>
+                <a:tc>
+                  <a:txBody>
+                    <a:bodyPr/>
+                    <a:lstStyle/>
+                    <a:p>
+                      <a:pPr algn="ctr" fontAlgn="b"/>
+                      <a:r>
+                        <a:rPr lang="en-IN" sz="1800" b="0" i="0" u="none" strike="noStrike" dirty="0">
+                          <a:solidFill>
+                            <a:srgbClr val="000000"/>
+                          </a:solidFill>
+                          <a:latin typeface="Calibri"/>
+                        </a:rPr>
+                        <a:t>-0.28162</a:t>
+                      </a:r>
+                    </a:p>
+                  </a:txBody>
+                  <a:tcPr marL="9525" marR="9525" marT="9525" marB="0" anchor="b"/>
+                </a:tc>
+                <a:tc>
+                  <a:txBody>
+                    <a:bodyPr/>
+                    <a:lstStyle/>
+                    <a:p>
+                      <a:pPr algn="ctr" fontAlgn="b"/>
+                      <a:r>
+                        <a:rPr lang="en-IN" sz="1800" b="0" i="0" u="none" strike="noStrike">
+                          <a:solidFill>
+                            <a:srgbClr val="000000"/>
+                          </a:solidFill>
+                          <a:latin typeface="Calibri"/>
+                        </a:rPr>
+                        <a:t>-0.01636</a:t>
+                      </a:r>
+                    </a:p>
+                  </a:txBody>
+                  <a:tcPr marL="9525" marR="9525" marT="9525" marB="0" anchor="b"/>
+                </a:tc>
+              </a:tr>
+              <a:tr h="121850">
+                <a:tc>
+                  <a:txBody>
+                    <a:bodyPr/>
+                    <a:lstStyle/>
+                    <a:p>
+                      <a:pPr algn="ctr" fontAlgn="b"/>
+                      <a:endParaRPr lang="en-IN" sz="1800" b="0" i="0" u="none" strike="noStrike">
+                        <a:solidFill>
+                          <a:srgbClr val="000000"/>
+                        </a:solidFill>
+                        <a:latin typeface="Calibri"/>
+                      </a:endParaRPr>
+                    </a:p>
+                  </a:txBody>
+                  <a:tcPr marL="9525" marR="9525" marT="9525" marB="0" anchor="b"/>
+                </a:tc>
+                <a:tc>
+                  <a:txBody>
+                    <a:bodyPr/>
+                    <a:lstStyle/>
+                    <a:p>
+                      <a:pPr algn="ctr" fontAlgn="b"/>
+                      <a:endParaRPr lang="en-IN" sz="1800" b="0" i="0" u="none" strike="noStrike" dirty="0">
+                        <a:solidFill>
+                          <a:srgbClr val="000000"/>
+                        </a:solidFill>
+                        <a:latin typeface="Calibri"/>
+                      </a:endParaRPr>
+                    </a:p>
+                  </a:txBody>
+                  <a:tcPr marL="9525" marR="9525" marT="9525" marB="0" anchor="b"/>
+                </a:tc>
+                <a:tc>
+                  <a:txBody>
+                    <a:bodyPr/>
+                    <a:lstStyle/>
+                    <a:p>
+                      <a:pPr algn="ctr" fontAlgn="b"/>
+                      <a:endParaRPr lang="en-IN" sz="1800" b="0" i="0" u="none" strike="noStrike">
+                        <a:solidFill>
+                          <a:srgbClr val="000000"/>
+                        </a:solidFill>
+                        <a:latin typeface="Calibri"/>
+                      </a:endParaRPr>
+                    </a:p>
+                  </a:txBody>
+                  <a:tcPr marL="9525" marR="9525" marT="9525" marB="0" anchor="b"/>
+                </a:tc>
+              </a:tr>
+              <a:tr h="121850">
+                <a:tc>
+                  <a:txBody>
+                    <a:bodyPr/>
+                    <a:lstStyle/>
+                    <a:p>
+                      <a:pPr algn="ctr" fontAlgn="b"/>
+                      <a:r>
+                        <a:rPr lang="en-IN" sz="1800" b="0" i="0" u="none" strike="noStrike">
+                          <a:solidFill>
+                            <a:srgbClr val="000000"/>
+                          </a:solidFill>
+                          <a:latin typeface="Calibri"/>
+                        </a:rPr>
+                        <a:t>-2.38E-02</a:t>
+                      </a:r>
+                    </a:p>
+                  </a:txBody>
+                  <a:tcPr marL="9525" marR="9525" marT="9525" marB="0" anchor="b"/>
+                </a:tc>
+                <a:tc>
+                  <a:txBody>
+                    <a:bodyPr/>
+                    <a:lstStyle/>
+                    <a:p>
+                      <a:pPr algn="ctr" fontAlgn="b"/>
+                      <a:r>
+                        <a:rPr lang="en-IN" sz="1800" b="0" i="0" u="none" strike="noStrike" dirty="0">
+                          <a:solidFill>
+                            <a:srgbClr val="000000"/>
+                          </a:solidFill>
+                          <a:latin typeface="Calibri"/>
+                        </a:rPr>
+                        <a:t>0.010703</a:t>
+                      </a:r>
+                    </a:p>
+                  </a:txBody>
+                  <a:tcPr marL="9525" marR="9525" marT="9525" marB="0" anchor="b"/>
+                </a:tc>
+                <a:tc>
+                  <a:txBody>
+                    <a:bodyPr/>
+                    <a:lstStyle/>
+                    <a:p>
+                      <a:pPr algn="ctr" fontAlgn="b"/>
+                      <a:r>
+                        <a:rPr lang="en-IN" sz="1800" b="0" i="0" u="none" strike="noStrike">
+                          <a:solidFill>
+                            <a:srgbClr val="000000"/>
+                          </a:solidFill>
+                          <a:latin typeface="Calibri"/>
+                        </a:rPr>
+                        <a:t>-0.03453</a:t>
+                      </a:r>
+                    </a:p>
+                  </a:txBody>
+                  <a:tcPr marL="9525" marR="9525" marT="9525" marB="0" anchor="b"/>
+                </a:tc>
+              </a:tr>
+              <a:tr h="121850">
+                <a:tc>
+                  <a:txBody>
+                    <a:bodyPr/>
+                    <a:lstStyle/>
+                    <a:p>
+                      <a:pPr algn="ctr" fontAlgn="b"/>
+                      <a:endParaRPr lang="en-IN" sz="1800" b="0" i="0" u="none" strike="noStrike">
+                        <a:solidFill>
+                          <a:srgbClr val="000000"/>
+                        </a:solidFill>
+                        <a:latin typeface="Calibri"/>
+                      </a:endParaRPr>
+                    </a:p>
+                  </a:txBody>
+                  <a:tcPr marL="9525" marR="9525" marT="9525" marB="0" anchor="b"/>
+                </a:tc>
+                <a:tc>
+                  <a:txBody>
+                    <a:bodyPr/>
+                    <a:lstStyle/>
+                    <a:p>
+                      <a:pPr algn="ctr" fontAlgn="b"/>
+                      <a:endParaRPr lang="en-IN" sz="1800" b="0" i="0" u="none" strike="noStrike" dirty="0">
+                        <a:solidFill>
+                          <a:srgbClr val="000000"/>
+                        </a:solidFill>
+                        <a:latin typeface="Calibri"/>
+                      </a:endParaRPr>
+                    </a:p>
+                  </a:txBody>
+                  <a:tcPr marL="9525" marR="9525" marT="9525" marB="0" anchor="b"/>
+                </a:tc>
+                <a:tc>
+                  <a:txBody>
+                    <a:bodyPr/>
+                    <a:lstStyle/>
+                    <a:p>
+                      <a:pPr algn="ctr" fontAlgn="b"/>
+                      <a:endParaRPr lang="en-IN" sz="1800" b="0" i="0" u="none" strike="noStrike">
+                        <a:solidFill>
+                          <a:srgbClr val="000000"/>
+                        </a:solidFill>
+                        <a:latin typeface="Calibri"/>
+                      </a:endParaRPr>
+                    </a:p>
+                  </a:txBody>
+                  <a:tcPr marL="9525" marR="9525" marT="9525" marB="0" anchor="b"/>
+                </a:tc>
+              </a:tr>
+              <a:tr h="121850">
+                <a:tc>
+                  <a:txBody>
+                    <a:bodyPr/>
+                    <a:lstStyle/>
+                    <a:p>
+                      <a:pPr algn="ctr" fontAlgn="b"/>
+                      <a:r>
+                        <a:rPr lang="en-IN" sz="1800" b="0" i="0" u="none" strike="noStrike">
+                          <a:solidFill>
+                            <a:srgbClr val="000000"/>
+                          </a:solidFill>
+                          <a:latin typeface="Calibri"/>
+                        </a:rPr>
+                        <a:t>2.15E-01</a:t>
+                      </a:r>
+                    </a:p>
+                  </a:txBody>
+                  <a:tcPr marL="9525" marR="9525" marT="9525" marB="0" anchor="b"/>
+                </a:tc>
+                <a:tc>
+                  <a:txBody>
+                    <a:bodyPr/>
+                    <a:lstStyle/>
+                    <a:p>
+                      <a:pPr algn="ctr" fontAlgn="b"/>
+                      <a:r>
+                        <a:rPr lang="en-IN" sz="1800" b="0" i="0" u="none" strike="noStrike" dirty="0">
+                          <a:solidFill>
+                            <a:srgbClr val="000000"/>
+                          </a:solidFill>
+                          <a:latin typeface="Calibri"/>
+                        </a:rPr>
+                        <a:t>0.233072</a:t>
+                      </a:r>
+                    </a:p>
+                  </a:txBody>
+                  <a:tcPr marL="9525" marR="9525" marT="9525" marB="0" anchor="b"/>
+                </a:tc>
+                <a:tc>
+                  <a:txBody>
+                    <a:bodyPr/>
+                    <a:lstStyle/>
+                    <a:p>
+                      <a:pPr algn="ctr" fontAlgn="b"/>
+                      <a:r>
+                        <a:rPr lang="en-IN" sz="1800" b="0" i="0" u="none" strike="noStrike" dirty="0">
+                          <a:solidFill>
+                            <a:srgbClr val="000000"/>
+                          </a:solidFill>
+                          <a:latin typeface="Calibri"/>
+                        </a:rPr>
+                        <a:t>-0.01857</a:t>
+                      </a:r>
+                    </a:p>
+                  </a:txBody>
+                  <a:tcPr marL="9525" marR="9525" marT="9525" marB="0" anchor="b"/>
+                </a:tc>
+              </a:tr>
+            </a:tbl>
+          </a:graphicData>
+        </a:graphic>
+      </p:graphicFrame>
+      <p:sp>
+        <p:nvSpPr>
+          <p:cNvPr id="4" name="Slide Number Placeholder 3"/>
+          <p:cNvSpPr>
+            <a:spLocks noGrp="1"/>
+          </p:cNvSpPr>
+          <p:nvPr>
+            <p:ph type="sldNum" sz="quarter" idx="12"/>
+          </p:nvPr>
+        </p:nvSpPr>
+        <p:spPr/>
+        <p:txBody>
+          <a:bodyPr/>
+          <a:lstStyle/>
+          <a:p>
+            <a:fld id="{6113E31D-E2AB-40D1-8B51-AFA5AFEF393A}" type="slidenum">
+              <a:rPr lang="en-US" smtClean="0"/>
+              <a:pPr/>
+              <a:t>18</a:t>
+            </a:fld>
+            <a:endParaRPr lang="en-US" dirty="0"/>
+          </a:p>
+        </p:txBody>
+      </p:sp>
+      <p:sp>
+        <p:nvSpPr>
+          <p:cNvPr id="6" name="TextBox 5"/>
+          <p:cNvSpPr txBox="1"/>
+          <p:nvPr/>
+        </p:nvSpPr>
+        <p:spPr>
+          <a:xfrm>
+            <a:off x="409433" y="2129051"/>
+            <a:ext cx="4599295" cy="369332"/>
+          </a:xfrm>
+          <a:prstGeom prst="rect">
+            <a:avLst/>
+          </a:prstGeom>
+          <a:noFill/>
+        </p:spPr>
+        <p:txBody>
+          <a:bodyPr wrap="square" rtlCol="0">
+            <a:spAutoFit/>
+          </a:bodyPr>
+          <a:lstStyle/>
+          <a:p>
+            <a:pPr algn="ctr">
+              <a:buFont typeface="Wingdings" pitchFamily="2" charset="2"/>
+              <a:buChar char="Ø"/>
+            </a:pPr>
+            <a:r>
+              <a:rPr lang="en-IN" dirty="0" smtClean="0"/>
+              <a:t>Absolute change of RI with temperature</a:t>
+            </a:r>
+            <a:endParaRPr lang="en-IN" dirty="0"/>
+          </a:p>
+        </p:txBody>
+      </p:sp>
+      <p:graphicFrame>
+        <p:nvGraphicFramePr>
+          <p:cNvPr id="7" name="Table 6"/>
+          <p:cNvGraphicFramePr>
+            <a:graphicFrameLocks noGrp="1"/>
+          </p:cNvGraphicFramePr>
+          <p:nvPr/>
+        </p:nvGraphicFramePr>
+        <p:xfrm>
+          <a:off x="6186985" y="2593076"/>
+          <a:ext cx="5768454" cy="3680460"/>
+        </p:xfrm>
+        <a:graphic>
+          <a:graphicData uri="http://schemas.openxmlformats.org/drawingml/2006/table">
+            <a:tbl>
+              <a:tblPr firstRow="1" bandRow="1">
+                <a:tableStyleId>{5C22544A-7EE6-4342-B048-85BDC9FD1C3A}</a:tableStyleId>
+              </a:tblPr>
+              <a:tblGrid>
+                <a:gridCol w="1922818"/>
+                <a:gridCol w="1922818"/>
+                <a:gridCol w="1922818"/>
+              </a:tblGrid>
+              <a:tr h="522479">
+                <a:tc>
+                  <a:txBody>
+                    <a:bodyPr/>
+                    <a:lstStyle/>
+                    <a:p>
+                      <a:pPr algn="ctr" fontAlgn="b"/>
+                      <a:r>
+                        <a:rPr lang="en-IN" sz="1800" b="1" i="0" u="none" strike="noStrike" dirty="0">
+                          <a:solidFill>
+                            <a:schemeClr val="bg1"/>
+                          </a:solidFill>
+                          <a:latin typeface="Calibri"/>
+                        </a:rPr>
+                        <a:t>Given change in reference</a:t>
+                      </a:r>
+                    </a:p>
+                  </a:txBody>
+                  <a:tcPr marL="9525" marR="9525" marT="9525" marB="0" anchor="b"/>
+                </a:tc>
+                <a:tc>
+                  <a:txBody>
+                    <a:bodyPr/>
+                    <a:lstStyle/>
+                    <a:p>
+                      <a:pPr algn="ctr" fontAlgn="b"/>
+                      <a:r>
+                        <a:rPr lang="en-IN" sz="1800" b="1" i="0" u="none" strike="noStrike">
+                          <a:solidFill>
+                            <a:schemeClr val="bg1"/>
+                          </a:solidFill>
+                          <a:latin typeface="Calibri"/>
+                        </a:rPr>
+                        <a:t>Calculated by formula</a:t>
+                      </a:r>
+                    </a:p>
+                  </a:txBody>
+                  <a:tcPr marL="9525" marR="9525" marT="9525" marB="0" anchor="b"/>
+                </a:tc>
+                <a:tc>
+                  <a:txBody>
+                    <a:bodyPr/>
+                    <a:lstStyle/>
+                    <a:p>
+                      <a:pPr algn="ctr" fontAlgn="b"/>
+                      <a:r>
+                        <a:rPr lang="en-IN" sz="1800" b="1" i="0" u="none" strike="noStrike" dirty="0">
+                          <a:solidFill>
+                            <a:schemeClr val="bg1"/>
+                          </a:solidFill>
+                          <a:latin typeface="Calibri"/>
+                        </a:rPr>
+                        <a:t>Difference(10^-6)</a:t>
+                      </a:r>
+                    </a:p>
+                  </a:txBody>
+                  <a:tcPr marL="9525" marR="9525" marT="9525" marB="0" anchor="b"/>
+                </a:tc>
+              </a:tr>
+              <a:tr h="272604">
+                <a:tc>
+                  <a:txBody>
+                    <a:bodyPr/>
+                    <a:lstStyle/>
+                    <a:p>
+                      <a:pPr algn="ctr" fontAlgn="b"/>
+                      <a:endParaRPr lang="en-IN" sz="1800" b="0" i="0" u="none" strike="noStrike" dirty="0">
+                        <a:solidFill>
+                          <a:srgbClr val="000000"/>
+                        </a:solidFill>
+                        <a:latin typeface="Calibri"/>
+                      </a:endParaRPr>
+                    </a:p>
+                  </a:txBody>
+                  <a:tcPr marL="9525" marR="9525" marT="9525" marB="0" anchor="b"/>
+                </a:tc>
+                <a:tc>
+                  <a:txBody>
+                    <a:bodyPr/>
+                    <a:lstStyle/>
+                    <a:p>
+                      <a:pPr algn="ctr" fontAlgn="b"/>
+                      <a:endParaRPr lang="en-IN" sz="1800" b="0" i="0" u="none" strike="noStrike" dirty="0">
+                        <a:solidFill>
+                          <a:srgbClr val="000000"/>
+                        </a:solidFill>
+                        <a:latin typeface="Calibri"/>
+                      </a:endParaRPr>
+                    </a:p>
+                  </a:txBody>
+                  <a:tcPr marL="9525" marR="9525" marT="9525" marB="0" anchor="b"/>
+                </a:tc>
+                <a:tc>
+                  <a:txBody>
+                    <a:bodyPr/>
+                    <a:lstStyle/>
+                    <a:p>
+                      <a:pPr algn="ctr" fontAlgn="b"/>
+                      <a:endParaRPr lang="en-IN" sz="1800" b="0" i="0" u="none" strike="noStrike" dirty="0">
+                        <a:solidFill>
+                          <a:srgbClr val="000000"/>
+                        </a:solidFill>
+                        <a:latin typeface="Calibri"/>
+                      </a:endParaRPr>
+                    </a:p>
+                  </a:txBody>
+                  <a:tcPr marL="9525" marR="9525" marT="9525" marB="0" anchor="b"/>
+                </a:tc>
+              </a:tr>
+              <a:tr h="272604">
+                <a:tc>
+                  <a:txBody>
+                    <a:bodyPr/>
+                    <a:lstStyle/>
+                    <a:p>
+                      <a:pPr algn="ctr" fontAlgn="b"/>
+                      <a:r>
+                        <a:rPr lang="en-IN" sz="1800" b="0" i="0" u="none" strike="noStrike">
+                          <a:solidFill>
+                            <a:srgbClr val="000000"/>
+                          </a:solidFill>
+                          <a:latin typeface="Calibri"/>
+                        </a:rPr>
+                        <a:t>3.27E+00</a:t>
+                      </a:r>
+                    </a:p>
+                  </a:txBody>
+                  <a:tcPr marL="9525" marR="9525" marT="9525" marB="0" anchor="b"/>
+                </a:tc>
+                <a:tc>
+                  <a:txBody>
+                    <a:bodyPr/>
+                    <a:lstStyle/>
+                    <a:p>
+                      <a:pPr algn="ctr" fontAlgn="b"/>
+                      <a:r>
+                        <a:rPr lang="en-IN" sz="1800" b="0" i="0" u="none" strike="noStrike">
+                          <a:solidFill>
+                            <a:srgbClr val="000000"/>
+                          </a:solidFill>
+                          <a:latin typeface="Calibri"/>
+                        </a:rPr>
+                        <a:t>3.274056</a:t>
+                      </a:r>
+                    </a:p>
+                  </a:txBody>
+                  <a:tcPr marL="9525" marR="9525" marT="9525" marB="0" anchor="b"/>
+                </a:tc>
+                <a:tc>
+                  <a:txBody>
+                    <a:bodyPr/>
+                    <a:lstStyle/>
+                    <a:p>
+                      <a:pPr algn="ctr" fontAlgn="b"/>
+                      <a:r>
+                        <a:rPr lang="en-IN" sz="1800" b="0" i="0" u="none" strike="noStrike">
+                          <a:solidFill>
+                            <a:srgbClr val="000000"/>
+                          </a:solidFill>
+                          <a:latin typeface="Calibri"/>
+                        </a:rPr>
+                        <a:t>-0.00802</a:t>
+                      </a:r>
+                    </a:p>
+                  </a:txBody>
+                  <a:tcPr marL="9525" marR="9525" marT="9525" marB="0" anchor="b"/>
+                </a:tc>
+              </a:tr>
+              <a:tr h="272604">
+                <a:tc>
+                  <a:txBody>
+                    <a:bodyPr/>
+                    <a:lstStyle/>
+                    <a:p>
+                      <a:pPr algn="ctr" fontAlgn="b"/>
+                      <a:endParaRPr lang="en-IN" sz="1800" b="0" i="0" u="none" strike="noStrike">
+                        <a:solidFill>
+                          <a:srgbClr val="000000"/>
+                        </a:solidFill>
+                        <a:latin typeface="Calibri"/>
+                      </a:endParaRPr>
+                    </a:p>
+                  </a:txBody>
+                  <a:tcPr marL="9525" marR="9525" marT="9525" marB="0" anchor="b"/>
+                </a:tc>
+                <a:tc>
+                  <a:txBody>
+                    <a:bodyPr/>
+                    <a:lstStyle/>
+                    <a:p>
+                      <a:pPr algn="ctr" fontAlgn="b"/>
+                      <a:endParaRPr lang="en-IN" sz="1800" b="0" i="0" u="none" strike="noStrike">
+                        <a:solidFill>
+                          <a:srgbClr val="000000"/>
+                        </a:solidFill>
+                        <a:latin typeface="Calibri"/>
+                      </a:endParaRPr>
+                    </a:p>
+                  </a:txBody>
+                  <a:tcPr marL="9525" marR="9525" marT="9525" marB="0" anchor="b"/>
+                </a:tc>
+                <a:tc>
+                  <a:txBody>
+                    <a:bodyPr/>
+                    <a:lstStyle/>
+                    <a:p>
+                      <a:pPr algn="ctr" fontAlgn="b"/>
+                      <a:endParaRPr lang="en-IN" sz="1800" b="0" i="0" u="none" strike="noStrike">
+                        <a:solidFill>
+                          <a:srgbClr val="000000"/>
+                        </a:solidFill>
+                        <a:latin typeface="Calibri"/>
+                      </a:endParaRPr>
+                    </a:p>
+                  </a:txBody>
+                  <a:tcPr marL="9525" marR="9525" marT="9525" marB="0" anchor="b"/>
+                </a:tc>
+              </a:tr>
+              <a:tr h="272604">
+                <a:tc>
+                  <a:txBody>
+                    <a:bodyPr/>
+                    <a:lstStyle/>
+                    <a:p>
+                      <a:pPr algn="ctr" fontAlgn="b"/>
+                      <a:r>
+                        <a:rPr lang="en-IN" sz="1800" b="0" i="0" u="none" strike="noStrike" dirty="0">
+                          <a:solidFill>
+                            <a:srgbClr val="000000"/>
+                          </a:solidFill>
+                          <a:latin typeface="Calibri"/>
+                        </a:rPr>
+                        <a:t>3.20E+00</a:t>
+                      </a:r>
+                    </a:p>
+                  </a:txBody>
+                  <a:tcPr marL="9525" marR="9525" marT="9525" marB="0" anchor="b"/>
+                </a:tc>
+                <a:tc>
+                  <a:txBody>
+                    <a:bodyPr/>
+                    <a:lstStyle/>
+                    <a:p>
+                      <a:pPr algn="ctr" fontAlgn="b"/>
+                      <a:r>
+                        <a:rPr lang="en-IN" sz="1800" b="0" i="0" u="none" strike="noStrike">
+                          <a:solidFill>
+                            <a:srgbClr val="000000"/>
+                          </a:solidFill>
+                          <a:latin typeface="Calibri"/>
+                        </a:rPr>
+                        <a:t>3.205571</a:t>
+                      </a:r>
+                    </a:p>
+                  </a:txBody>
+                  <a:tcPr marL="9525" marR="9525" marT="9525" marB="0" anchor="b"/>
+                </a:tc>
+                <a:tc>
+                  <a:txBody>
+                    <a:bodyPr/>
+                    <a:lstStyle/>
+                    <a:p>
+                      <a:pPr algn="ctr" fontAlgn="b"/>
+                      <a:r>
+                        <a:rPr lang="en-IN" sz="1800" b="0" i="0" u="none" strike="noStrike">
+                          <a:solidFill>
+                            <a:srgbClr val="000000"/>
+                          </a:solidFill>
+                          <a:latin typeface="Calibri"/>
+                        </a:rPr>
+                        <a:t>-0.00948</a:t>
+                      </a:r>
+                    </a:p>
+                  </a:txBody>
+                  <a:tcPr marL="9525" marR="9525" marT="9525" marB="0" anchor="b"/>
+                </a:tc>
+              </a:tr>
+              <a:tr h="272604">
+                <a:tc>
+                  <a:txBody>
+                    <a:bodyPr/>
+                    <a:lstStyle/>
+                    <a:p>
+                      <a:pPr algn="ctr" fontAlgn="b"/>
+                      <a:endParaRPr lang="en-IN" sz="1800" b="0" i="0" u="none" strike="noStrike">
+                        <a:solidFill>
+                          <a:srgbClr val="000000"/>
+                        </a:solidFill>
+                        <a:latin typeface="Calibri"/>
+                      </a:endParaRPr>
+                    </a:p>
+                  </a:txBody>
+                  <a:tcPr marL="9525" marR="9525" marT="9525" marB="0" anchor="b"/>
+                </a:tc>
+                <a:tc>
+                  <a:txBody>
+                    <a:bodyPr/>
+                    <a:lstStyle/>
+                    <a:p>
+                      <a:pPr algn="ctr" fontAlgn="b"/>
+                      <a:endParaRPr lang="en-IN" sz="1800" b="0" i="0" u="none" strike="noStrike" dirty="0">
+                        <a:solidFill>
+                          <a:srgbClr val="000000"/>
+                        </a:solidFill>
+                        <a:latin typeface="Calibri"/>
+                      </a:endParaRPr>
+                    </a:p>
+                  </a:txBody>
+                  <a:tcPr marL="9525" marR="9525" marT="9525" marB="0" anchor="b"/>
+                </a:tc>
+                <a:tc>
+                  <a:txBody>
+                    <a:bodyPr/>
+                    <a:lstStyle/>
+                    <a:p>
+                      <a:pPr algn="ctr" fontAlgn="b"/>
+                      <a:endParaRPr lang="en-IN" sz="1800" b="0" i="0" u="none" strike="noStrike">
+                        <a:solidFill>
+                          <a:srgbClr val="000000"/>
+                        </a:solidFill>
+                        <a:latin typeface="Calibri"/>
+                      </a:endParaRPr>
+                    </a:p>
+                  </a:txBody>
+                  <a:tcPr marL="9525" marR="9525" marT="9525" marB="0" anchor="b"/>
+                </a:tc>
+              </a:tr>
+              <a:tr h="272604">
+                <a:tc>
+                  <a:txBody>
+                    <a:bodyPr/>
+                    <a:lstStyle/>
+                    <a:p>
+                      <a:pPr algn="ctr" fontAlgn="b"/>
+                      <a:r>
+                        <a:rPr lang="en-IN" sz="1800" b="0" i="0" u="none" strike="noStrike">
+                          <a:solidFill>
+                            <a:srgbClr val="000000"/>
+                          </a:solidFill>
+                          <a:latin typeface="Calibri"/>
+                        </a:rPr>
+                        <a:t>3.13E+00</a:t>
+                      </a:r>
+                    </a:p>
+                  </a:txBody>
+                  <a:tcPr marL="9525" marR="9525" marT="9525" marB="0" anchor="b"/>
+                </a:tc>
+                <a:tc>
+                  <a:txBody>
+                    <a:bodyPr/>
+                    <a:lstStyle/>
+                    <a:p>
+                      <a:pPr algn="ctr" fontAlgn="b"/>
+                      <a:r>
+                        <a:rPr lang="en-IN" sz="1800" b="0" i="0" u="none" strike="noStrike">
+                          <a:solidFill>
+                            <a:srgbClr val="000000"/>
+                          </a:solidFill>
+                          <a:latin typeface="Calibri"/>
+                        </a:rPr>
+                        <a:t>3.135894</a:t>
+                      </a:r>
+                    </a:p>
+                  </a:txBody>
+                  <a:tcPr marL="9525" marR="9525" marT="9525" marB="0" anchor="b"/>
+                </a:tc>
+                <a:tc>
+                  <a:txBody>
+                    <a:bodyPr/>
+                    <a:lstStyle/>
+                    <a:p>
+                      <a:pPr algn="ctr" fontAlgn="b"/>
+                      <a:r>
+                        <a:rPr lang="en-IN" sz="1800" b="0" i="0" u="none" strike="noStrike">
+                          <a:solidFill>
+                            <a:srgbClr val="000000"/>
+                          </a:solidFill>
+                          <a:latin typeface="Calibri"/>
+                        </a:rPr>
+                        <a:t>-0.00578</a:t>
+                      </a:r>
+                    </a:p>
+                  </a:txBody>
+                  <a:tcPr marL="9525" marR="9525" marT="9525" marB="0" anchor="b"/>
+                </a:tc>
+              </a:tr>
+              <a:tr h="272604">
+                <a:tc>
+                  <a:txBody>
+                    <a:bodyPr/>
+                    <a:lstStyle/>
+                    <a:p>
+                      <a:pPr algn="ctr" fontAlgn="b"/>
+                      <a:endParaRPr lang="en-IN" sz="1800" b="0" i="0" u="none" strike="noStrike">
+                        <a:solidFill>
+                          <a:srgbClr val="000000"/>
+                        </a:solidFill>
+                        <a:latin typeface="Calibri"/>
+                      </a:endParaRPr>
+                    </a:p>
+                  </a:txBody>
+                  <a:tcPr marL="9525" marR="9525" marT="9525" marB="0" anchor="b"/>
+                </a:tc>
+                <a:tc>
+                  <a:txBody>
+                    <a:bodyPr/>
+                    <a:lstStyle/>
+                    <a:p>
+                      <a:pPr algn="ctr" fontAlgn="b"/>
+                      <a:endParaRPr lang="en-IN" sz="1800" b="0" i="0" u="none" strike="noStrike">
+                        <a:solidFill>
+                          <a:srgbClr val="000000"/>
+                        </a:solidFill>
+                        <a:latin typeface="Calibri"/>
+                      </a:endParaRPr>
+                    </a:p>
+                  </a:txBody>
+                  <a:tcPr marL="9525" marR="9525" marT="9525" marB="0" anchor="b"/>
+                </a:tc>
+                <a:tc>
+                  <a:txBody>
+                    <a:bodyPr/>
+                    <a:lstStyle/>
+                    <a:p>
+                      <a:pPr algn="ctr" fontAlgn="b"/>
+                      <a:endParaRPr lang="en-IN" sz="1800" b="0" i="0" u="none" strike="noStrike">
+                        <a:solidFill>
+                          <a:srgbClr val="000000"/>
+                        </a:solidFill>
+                        <a:latin typeface="Calibri"/>
+                      </a:endParaRPr>
+                    </a:p>
+                  </a:txBody>
+                  <a:tcPr marL="9525" marR="9525" marT="9525" marB="0" anchor="b"/>
+                </a:tc>
+              </a:tr>
+              <a:tr h="272604">
+                <a:tc>
+                  <a:txBody>
+                    <a:bodyPr/>
+                    <a:lstStyle/>
+                    <a:p>
+                      <a:pPr algn="ctr" fontAlgn="b"/>
+                      <a:r>
+                        <a:rPr lang="en-IN" sz="1800" b="0" i="0" u="none" strike="noStrike">
+                          <a:solidFill>
+                            <a:srgbClr val="000000"/>
+                          </a:solidFill>
+                          <a:latin typeface="Calibri"/>
+                        </a:rPr>
+                        <a:t>3.07E+00</a:t>
+                      </a:r>
+                    </a:p>
+                  </a:txBody>
+                  <a:tcPr marL="9525" marR="9525" marT="9525" marB="0" anchor="b"/>
+                </a:tc>
+                <a:tc>
+                  <a:txBody>
+                    <a:bodyPr/>
+                    <a:lstStyle/>
+                    <a:p>
+                      <a:pPr algn="ctr" fontAlgn="b"/>
+                      <a:r>
+                        <a:rPr lang="en-IN" sz="1800" b="0" i="0" u="none" strike="noStrike">
+                          <a:solidFill>
+                            <a:srgbClr val="000000"/>
+                          </a:solidFill>
+                          <a:latin typeface="Calibri"/>
+                        </a:rPr>
+                        <a:t>3.069411</a:t>
+                      </a:r>
+                    </a:p>
+                  </a:txBody>
+                  <a:tcPr marL="9525" marR="9525" marT="9525" marB="0" anchor="b"/>
+                </a:tc>
+                <a:tc>
+                  <a:txBody>
+                    <a:bodyPr/>
+                    <a:lstStyle/>
+                    <a:p>
+                      <a:pPr algn="ctr" fontAlgn="b"/>
+                      <a:r>
+                        <a:rPr lang="en-IN" sz="1800" b="0" i="0" u="none" strike="noStrike">
+                          <a:solidFill>
+                            <a:srgbClr val="000000"/>
+                          </a:solidFill>
+                          <a:latin typeface="Calibri"/>
+                        </a:rPr>
+                        <a:t>-0.00264</a:t>
+                      </a:r>
+                    </a:p>
+                  </a:txBody>
+                  <a:tcPr marL="9525" marR="9525" marT="9525" marB="0" anchor="b"/>
+                </a:tc>
+              </a:tr>
+              <a:tr h="272604">
+                <a:tc>
+                  <a:txBody>
+                    <a:bodyPr/>
+                    <a:lstStyle/>
+                    <a:p>
+                      <a:pPr algn="ctr" fontAlgn="b"/>
+                      <a:endParaRPr lang="en-IN" sz="1800" b="0" i="0" u="none" strike="noStrike">
+                        <a:solidFill>
+                          <a:srgbClr val="000000"/>
+                        </a:solidFill>
+                        <a:latin typeface="Calibri"/>
+                      </a:endParaRPr>
+                    </a:p>
+                  </a:txBody>
+                  <a:tcPr marL="9525" marR="9525" marT="9525" marB="0" anchor="b"/>
+                </a:tc>
+                <a:tc>
+                  <a:txBody>
+                    <a:bodyPr/>
+                    <a:lstStyle/>
+                    <a:p>
+                      <a:pPr algn="ctr" fontAlgn="b"/>
+                      <a:endParaRPr lang="en-IN" sz="1800" b="0" i="0" u="none" strike="noStrike">
+                        <a:solidFill>
+                          <a:srgbClr val="000000"/>
+                        </a:solidFill>
+                        <a:latin typeface="Calibri"/>
+                      </a:endParaRPr>
+                    </a:p>
+                  </a:txBody>
+                  <a:tcPr marL="9525" marR="9525" marT="9525" marB="0" anchor="b"/>
+                </a:tc>
+                <a:tc>
+                  <a:txBody>
+                    <a:bodyPr/>
+                    <a:lstStyle/>
+                    <a:p>
+                      <a:pPr algn="ctr" fontAlgn="b"/>
+                      <a:endParaRPr lang="en-IN" sz="1800" b="0" i="0" u="none" strike="noStrike">
+                        <a:solidFill>
+                          <a:srgbClr val="000000"/>
+                        </a:solidFill>
+                        <a:latin typeface="Calibri"/>
+                      </a:endParaRPr>
+                    </a:p>
+                  </a:txBody>
+                  <a:tcPr marL="9525" marR="9525" marT="9525" marB="0" anchor="b"/>
+                </a:tc>
+              </a:tr>
+              <a:tr h="272604">
+                <a:tc>
+                  <a:txBody>
+                    <a:bodyPr/>
+                    <a:lstStyle/>
+                    <a:p>
+                      <a:pPr algn="ctr" fontAlgn="b"/>
+                      <a:r>
+                        <a:rPr lang="en-IN" sz="1800" b="0" i="0" u="none" strike="noStrike">
+                          <a:solidFill>
+                            <a:srgbClr val="000000"/>
+                          </a:solidFill>
+                          <a:latin typeface="Calibri"/>
+                        </a:rPr>
+                        <a:t>3.00E+00</a:t>
+                      </a:r>
+                    </a:p>
+                  </a:txBody>
+                  <a:tcPr marL="9525" marR="9525" marT="9525" marB="0" anchor="b"/>
+                </a:tc>
+                <a:tc>
+                  <a:txBody>
+                    <a:bodyPr/>
+                    <a:lstStyle/>
+                    <a:p>
+                      <a:pPr algn="ctr" fontAlgn="b"/>
+                      <a:r>
+                        <a:rPr lang="en-IN" sz="1800" b="0" i="0" u="none" strike="noStrike">
+                          <a:solidFill>
+                            <a:srgbClr val="000000"/>
+                          </a:solidFill>
+                          <a:latin typeface="Calibri"/>
+                        </a:rPr>
+                        <a:t>3.004968</a:t>
+                      </a:r>
+                    </a:p>
+                  </a:txBody>
+                  <a:tcPr marL="9525" marR="9525" marT="9525" marB="0" anchor="b"/>
+                </a:tc>
+                <a:tc>
+                  <a:txBody>
+                    <a:bodyPr/>
+                    <a:lstStyle/>
+                    <a:p>
+                      <a:pPr algn="ctr" fontAlgn="b"/>
+                      <a:r>
+                        <a:rPr lang="en-IN" sz="1800" b="0" i="0" u="none" strike="noStrike">
+                          <a:solidFill>
+                            <a:srgbClr val="000000"/>
+                          </a:solidFill>
+                          <a:latin typeface="Calibri"/>
+                        </a:rPr>
+                        <a:t>-0.00022</a:t>
+                      </a:r>
+                    </a:p>
+                  </a:txBody>
+                  <a:tcPr marL="9525" marR="9525" marT="9525" marB="0" anchor="b"/>
+                </a:tc>
+              </a:tr>
+              <a:tr h="272604">
+                <a:tc>
+                  <a:txBody>
+                    <a:bodyPr/>
+                    <a:lstStyle/>
+                    <a:p>
+                      <a:pPr algn="ctr" fontAlgn="b"/>
+                      <a:endParaRPr lang="en-IN" sz="1800" b="0" i="0" u="none" strike="noStrike">
+                        <a:solidFill>
+                          <a:srgbClr val="000000"/>
+                        </a:solidFill>
+                        <a:latin typeface="Calibri"/>
+                      </a:endParaRPr>
+                    </a:p>
+                  </a:txBody>
+                  <a:tcPr marL="9525" marR="9525" marT="9525" marB="0" anchor="b"/>
+                </a:tc>
+                <a:tc>
+                  <a:txBody>
+                    <a:bodyPr/>
+                    <a:lstStyle/>
+                    <a:p>
+                      <a:pPr algn="ctr" fontAlgn="b"/>
+                      <a:endParaRPr lang="en-IN" sz="1800" b="0" i="0" u="none" strike="noStrike">
+                        <a:solidFill>
+                          <a:srgbClr val="000000"/>
+                        </a:solidFill>
+                        <a:latin typeface="Calibri"/>
+                      </a:endParaRPr>
+                    </a:p>
+                  </a:txBody>
+                  <a:tcPr marL="9525" marR="9525" marT="9525" marB="0" anchor="b"/>
+                </a:tc>
+                <a:tc>
+                  <a:txBody>
+                    <a:bodyPr/>
+                    <a:lstStyle/>
+                    <a:p>
+                      <a:pPr algn="ctr" fontAlgn="b"/>
+                      <a:endParaRPr lang="en-IN" sz="1800" b="0" i="0" u="none" strike="noStrike" dirty="0">
+                        <a:solidFill>
+                          <a:srgbClr val="000000"/>
+                        </a:solidFill>
+                        <a:latin typeface="Calibri"/>
+                      </a:endParaRPr>
+                    </a:p>
+                  </a:txBody>
+                  <a:tcPr marL="9525" marR="9525" marT="9525" marB="0" anchor="b"/>
+                </a:tc>
+              </a:tr>
+            </a:tbl>
+          </a:graphicData>
+        </a:graphic>
+      </p:graphicFrame>
+      <p:sp>
+        <p:nvSpPr>
+          <p:cNvPr id="8" name="TextBox 7"/>
+          <p:cNvSpPr txBox="1"/>
+          <p:nvPr/>
+        </p:nvSpPr>
+        <p:spPr>
+          <a:xfrm>
+            <a:off x="6496334" y="2088107"/>
+            <a:ext cx="5036024" cy="369332"/>
+          </a:xfrm>
+          <a:prstGeom prst="rect">
+            <a:avLst/>
+          </a:prstGeom>
+          <a:noFill/>
+        </p:spPr>
+        <p:txBody>
+          <a:bodyPr wrap="square" rtlCol="0">
+            <a:spAutoFit/>
+          </a:bodyPr>
+          <a:lstStyle/>
+          <a:p>
+            <a:pPr algn="ctr">
+              <a:buFont typeface="Wingdings" pitchFamily="2" charset="2"/>
+              <a:buChar char="Ø"/>
+            </a:pPr>
+            <a:r>
+              <a:rPr lang="en-IN" dirty="0" smtClean="0"/>
+              <a:t>Relative </a:t>
+            </a:r>
+            <a:r>
+              <a:rPr lang="en-IN" dirty="0" smtClean="0"/>
+              <a:t>change of RI with temperature</a:t>
+            </a:r>
+            <a:endParaRPr lang="en-IN" dirty="0"/>
+          </a:p>
+        </p:txBody>
+      </p:sp>
+    </p:spTree>
+  </p:cSld>
+  <p:clrMapOvr>
+    <a:masterClrMapping/>
+  </p:clrMapOvr>
+</p:sld>
+</file>
+
+<file path=ppt/slides/slide19.xml><?xml version="1.0" encoding="utf-8"?>
+<p:sld xmlns:a="http://schemas.openxmlformats.org/drawingml/2006/main" xmlns:r="http://schemas.openxmlformats.org/officeDocument/2006/relationships" xmlns:p="http://schemas.openxmlformats.org/presentationml/2006/main">
+  <p:cSld>
+    <p:spTree>
+      <p:nvGrpSpPr>
+        <p:cNvPr id="1" name=""/>
+        <p:cNvGrpSpPr/>
+        <p:nvPr/>
+      </p:nvGrpSpPr>
+      <p:grpSpPr>
+        <a:xfrm>
+          <a:off x="0" y="0"/>
+          <a:ext cx="0" cy="0"/>
+          <a:chOff x="0" y="0"/>
+          <a:chExt cx="0" cy="0"/>
+        </a:xfrm>
+      </p:grpSpPr>
+      <p:sp>
+        <p:nvSpPr>
+          <p:cNvPr id="2" name="Title 1"/>
+          <p:cNvSpPr>
+            <a:spLocks noGrp="1"/>
+          </p:cNvSpPr>
+          <p:nvPr>
+            <p:ph type="title"/>
+          </p:nvPr>
+        </p:nvSpPr>
+        <p:spPr>
+          <a:xfrm>
+            <a:off x="1124576" y="245660"/>
+            <a:ext cx="10058400" cy="1450757"/>
+          </a:xfrm>
+        </p:spPr>
+        <p:txBody>
+          <a:bodyPr/>
+          <a:lstStyle/>
+          <a:p>
+            <a:r>
+              <a:rPr lang="en-IN" dirty="0" smtClean="0"/>
+              <a:t>From reference </a:t>
+            </a:r>
+            <a:r>
+              <a:rPr lang="en-IN" dirty="0" smtClean="0"/>
+              <a:t>data for RI </a:t>
+            </a:r>
+            <a:r>
+              <a:rPr lang="en-IN" dirty="0" err="1" smtClean="0"/>
+              <a:t>vs</a:t>
+            </a:r>
+            <a:r>
+              <a:rPr lang="en-IN" dirty="0" smtClean="0"/>
+              <a:t> wavelength</a:t>
+            </a:r>
+            <a:endParaRPr lang="en-IN" dirty="0"/>
+          </a:p>
+        </p:txBody>
+      </p:sp>
+      <p:pic>
+        <p:nvPicPr>
+          <p:cNvPr id="5" name="Content Placeholder 4" descr="Capture.JPG"/>
+          <p:cNvPicPr>
+            <a:picLocks noGrp="1" noChangeAspect="1"/>
+          </p:cNvPicPr>
+          <p:nvPr>
+            <p:ph idx="1"/>
+          </p:nvPr>
+        </p:nvPicPr>
+        <p:blipFill>
+          <a:blip r:embed="rId2"/>
+          <a:stretch>
+            <a:fillRect/>
+          </a:stretch>
+        </p:blipFill>
+        <p:spPr>
+          <a:xfrm>
+            <a:off x="3534770" y="1815152"/>
+            <a:ext cx="5554637" cy="4380931"/>
+          </a:xfrm>
+        </p:spPr>
+      </p:pic>
+      <p:sp>
+        <p:nvSpPr>
+          <p:cNvPr id="4" name="Slide Number Placeholder 3"/>
+          <p:cNvSpPr>
+            <a:spLocks noGrp="1"/>
+          </p:cNvSpPr>
+          <p:nvPr>
+            <p:ph type="sldNum" sz="quarter" idx="12"/>
+          </p:nvPr>
+        </p:nvSpPr>
+        <p:spPr/>
+        <p:txBody>
+          <a:bodyPr/>
+          <a:lstStyle/>
+          <a:p>
+            <a:fld id="{6113E31D-E2AB-40D1-8B51-AFA5AFEF393A}" type="slidenum">
+              <a:rPr lang="en-US" smtClean="0"/>
+              <a:pPr/>
+              <a:t>19</a:t>
+            </a:fld>
+            <a:endParaRPr lang="en-US" dirty="0"/>
           </a:p>
         </p:txBody>
       </p:sp>
@@ -4698,7 +9115,7 @@
           <a:p>
             <a:r>
               <a:rPr lang="en-IN" dirty="0" smtClean="0"/>
-              <a:t>Objective </a:t>
+              <a:t>Objectives </a:t>
             </a:r>
             <a:endParaRPr lang="en-IN" dirty="0"/>
           </a:p>
@@ -4801,6 +9218,488 @@
               <a:t>2</a:t>
             </a:fld>
             <a:endParaRPr lang="en-US" sz="1800" dirty="0"/>
+          </a:p>
+        </p:txBody>
+      </p:sp>
+    </p:spTree>
+  </p:cSld>
+  <p:clrMapOvr>
+    <a:masterClrMapping/>
+  </p:clrMapOvr>
+  <p:timing>
+    <p:tnLst>
+      <p:par>
+        <p:cTn id="1" dur="indefinite" restart="never" nodeType="tmRoot"/>
+      </p:par>
+    </p:tnLst>
+  </p:timing>
+</p:sld>
+</file>
+
+<file path=ppt/slides/slide20.xml><?xml version="1.0" encoding="utf-8"?>
+<p:sld xmlns:a="http://schemas.openxmlformats.org/drawingml/2006/main" xmlns:r="http://schemas.openxmlformats.org/officeDocument/2006/relationships" xmlns:p="http://schemas.openxmlformats.org/presentationml/2006/main">
+  <p:cSld>
+    <p:spTree>
+      <p:nvGrpSpPr>
+        <p:cNvPr id="1" name=""/>
+        <p:cNvGrpSpPr/>
+        <p:nvPr/>
+      </p:nvGrpSpPr>
+      <p:grpSpPr>
+        <a:xfrm>
+          <a:off x="0" y="0"/>
+          <a:ext cx="0" cy="0"/>
+          <a:chOff x="0" y="0"/>
+          <a:chExt cx="0" cy="0"/>
+        </a:xfrm>
+      </p:grpSpPr>
+      <p:sp>
+        <p:nvSpPr>
+          <p:cNvPr id="2" name="Title 1"/>
+          <p:cNvSpPr>
+            <a:spLocks noGrp="1"/>
+          </p:cNvSpPr>
+          <p:nvPr>
+            <p:ph type="title"/>
+          </p:nvPr>
+        </p:nvSpPr>
+        <p:spPr/>
+        <p:txBody>
+          <a:bodyPr/>
+          <a:lstStyle/>
+          <a:p>
+            <a:r>
+              <a:rPr lang="en-IN" dirty="0" smtClean="0"/>
+              <a:t>From reference data for thermal analysis (N-BK7)</a:t>
+            </a:r>
+            <a:endParaRPr lang="en-IN" dirty="0"/>
+          </a:p>
+        </p:txBody>
+      </p:sp>
+      <p:pic>
+        <p:nvPicPr>
+          <p:cNvPr id="5" name="Content Placeholder 4" descr="NBK7.JPG"/>
+          <p:cNvPicPr>
+            <a:picLocks noGrp="1" noChangeAspect="1"/>
+          </p:cNvPicPr>
+          <p:nvPr>
+            <p:ph idx="1"/>
+          </p:nvPr>
+        </p:nvPicPr>
+        <p:blipFill>
+          <a:blip r:embed="rId2"/>
+          <a:stretch>
+            <a:fillRect/>
+          </a:stretch>
+        </p:blipFill>
+        <p:spPr>
+          <a:xfrm>
+            <a:off x="218364" y="2371702"/>
+            <a:ext cx="5672688" cy="4486298"/>
+          </a:xfrm>
+        </p:spPr>
+      </p:pic>
+      <p:sp>
+        <p:nvSpPr>
+          <p:cNvPr id="4" name="Slide Number Placeholder 3"/>
+          <p:cNvSpPr>
+            <a:spLocks noGrp="1"/>
+          </p:cNvSpPr>
+          <p:nvPr>
+            <p:ph type="sldNum" sz="quarter" idx="12"/>
+          </p:nvPr>
+        </p:nvSpPr>
+        <p:spPr/>
+        <p:txBody>
+          <a:bodyPr/>
+          <a:lstStyle/>
+          <a:p>
+            <a:fld id="{6113E31D-E2AB-40D1-8B51-AFA5AFEF393A}" type="slidenum">
+              <a:rPr lang="en-US" smtClean="0"/>
+              <a:pPr/>
+              <a:t>20</a:t>
+            </a:fld>
+            <a:endParaRPr lang="en-US" dirty="0"/>
+          </a:p>
+        </p:txBody>
+      </p:sp>
+      <p:pic>
+        <p:nvPicPr>
+          <p:cNvPr id="6" name="Picture 5" descr="NBK7_2.JPG"/>
+          <p:cNvPicPr>
+            <a:picLocks noChangeAspect="1"/>
+          </p:cNvPicPr>
+          <p:nvPr/>
+        </p:nvPicPr>
+        <p:blipFill>
+          <a:blip r:embed="rId3"/>
+          <a:stretch>
+            <a:fillRect/>
+          </a:stretch>
+        </p:blipFill>
+        <p:spPr>
+          <a:xfrm>
+            <a:off x="5909480" y="2374710"/>
+            <a:ext cx="5841241" cy="4483290"/>
+          </a:xfrm>
+          <a:prstGeom prst="rect">
+            <a:avLst/>
+          </a:prstGeom>
+        </p:spPr>
+      </p:pic>
+      <p:sp>
+        <p:nvSpPr>
+          <p:cNvPr id="7" name="TextBox 6"/>
+          <p:cNvSpPr txBox="1"/>
+          <p:nvPr/>
+        </p:nvSpPr>
+        <p:spPr>
+          <a:xfrm>
+            <a:off x="968991" y="1910687"/>
+            <a:ext cx="4148919" cy="369332"/>
+          </a:xfrm>
+          <a:prstGeom prst="rect">
+            <a:avLst/>
+          </a:prstGeom>
+          <a:noFill/>
+        </p:spPr>
+        <p:txBody>
+          <a:bodyPr wrap="square" rtlCol="0">
+            <a:spAutoFit/>
+          </a:bodyPr>
+          <a:lstStyle/>
+          <a:p>
+            <a:pPr>
+              <a:buFont typeface="Wingdings" pitchFamily="2" charset="2"/>
+              <a:buChar char="Ø"/>
+            </a:pPr>
+            <a:r>
+              <a:rPr lang="en-IN" dirty="0" smtClean="0"/>
+              <a:t>RI absolute</a:t>
+            </a:r>
+            <a:endParaRPr lang="en-IN" dirty="0"/>
+          </a:p>
+        </p:txBody>
+      </p:sp>
+      <p:sp>
+        <p:nvSpPr>
+          <p:cNvPr id="8" name="TextBox 7"/>
+          <p:cNvSpPr txBox="1"/>
+          <p:nvPr/>
+        </p:nvSpPr>
+        <p:spPr>
+          <a:xfrm>
+            <a:off x="6619164" y="1924334"/>
+            <a:ext cx="3370997" cy="369332"/>
+          </a:xfrm>
+          <a:prstGeom prst="rect">
+            <a:avLst/>
+          </a:prstGeom>
+          <a:noFill/>
+        </p:spPr>
+        <p:txBody>
+          <a:bodyPr wrap="square" rtlCol="0">
+            <a:spAutoFit/>
+          </a:bodyPr>
+          <a:lstStyle/>
+          <a:p>
+            <a:pPr>
+              <a:buFont typeface="Wingdings" pitchFamily="2" charset="2"/>
+              <a:buChar char="Ø"/>
+            </a:pPr>
+            <a:r>
+              <a:rPr lang="en-IN" dirty="0" smtClean="0"/>
+              <a:t>RI relative</a:t>
+            </a:r>
+            <a:endParaRPr lang="en-IN" dirty="0"/>
+          </a:p>
+        </p:txBody>
+      </p:sp>
+    </p:spTree>
+  </p:cSld>
+  <p:clrMapOvr>
+    <a:masterClrMapping/>
+  </p:clrMapOvr>
+  <p:timing>
+    <p:tnLst>
+      <p:par>
+        <p:cTn id="1" dur="indefinite" restart="never" nodeType="tmRoot"/>
+      </p:par>
+    </p:tnLst>
+  </p:timing>
+</p:sld>
+</file>
+
+<file path=ppt/slides/slide21.xml><?xml version="1.0" encoding="utf-8"?>
+<p:sld xmlns:a="http://schemas.openxmlformats.org/drawingml/2006/main" xmlns:r="http://schemas.openxmlformats.org/officeDocument/2006/relationships" xmlns:p="http://schemas.openxmlformats.org/presentationml/2006/main">
+  <p:cSld>
+    <p:spTree>
+      <p:nvGrpSpPr>
+        <p:cNvPr id="1" name=""/>
+        <p:cNvGrpSpPr/>
+        <p:nvPr/>
+      </p:nvGrpSpPr>
+      <p:grpSpPr>
+        <a:xfrm>
+          <a:off x="0" y="0"/>
+          <a:ext cx="0" cy="0"/>
+          <a:chOff x="0" y="0"/>
+          <a:chExt cx="0" cy="0"/>
+        </a:xfrm>
+      </p:grpSpPr>
+      <p:sp>
+        <p:nvSpPr>
+          <p:cNvPr id="2" name="Title 1"/>
+          <p:cNvSpPr>
+            <a:spLocks noGrp="1"/>
+          </p:cNvSpPr>
+          <p:nvPr>
+            <p:ph type="title"/>
+          </p:nvPr>
+        </p:nvSpPr>
+        <p:spPr/>
+        <p:txBody>
+          <a:bodyPr/>
+          <a:lstStyle/>
+          <a:p>
+            <a:r>
+              <a:rPr lang="en-IN" dirty="0" smtClean="0"/>
+              <a:t>Thermal analysis of K-SFLD 14</a:t>
+            </a:r>
+            <a:endParaRPr lang="en-IN" dirty="0"/>
+          </a:p>
+        </p:txBody>
+      </p:sp>
+      <p:sp>
+        <p:nvSpPr>
+          <p:cNvPr id="3" name="Content Placeholder 2"/>
+          <p:cNvSpPr>
+            <a:spLocks noGrp="1"/>
+          </p:cNvSpPr>
+          <p:nvPr>
+            <p:ph idx="1"/>
+          </p:nvPr>
+        </p:nvSpPr>
+        <p:spPr/>
+        <p:txBody>
+          <a:bodyPr/>
+          <a:lstStyle/>
+          <a:p>
+            <a:endParaRPr lang="en-IN"/>
+          </a:p>
+        </p:txBody>
+      </p:sp>
+      <p:sp>
+        <p:nvSpPr>
+          <p:cNvPr id="4" name="Slide Number Placeholder 3"/>
+          <p:cNvSpPr>
+            <a:spLocks noGrp="1"/>
+          </p:cNvSpPr>
+          <p:nvPr>
+            <p:ph type="sldNum" sz="quarter" idx="12"/>
+          </p:nvPr>
+        </p:nvSpPr>
+        <p:spPr/>
+        <p:txBody>
+          <a:bodyPr/>
+          <a:lstStyle/>
+          <a:p>
+            <a:fld id="{6113E31D-E2AB-40D1-8B51-AFA5AFEF393A}" type="slidenum">
+              <a:rPr lang="en-US" smtClean="0"/>
+              <a:pPr/>
+              <a:t>21</a:t>
+            </a:fld>
+            <a:endParaRPr lang="en-US" dirty="0"/>
+          </a:p>
+        </p:txBody>
+      </p:sp>
+      <p:pic>
+        <p:nvPicPr>
+          <p:cNvPr id="5" name="Content Placeholder 5" descr="n_abs_derivative_vs_temperatureK-SFLD14_1.png"/>
+          <p:cNvPicPr>
+            <a:picLocks noChangeAspect="1"/>
+          </p:cNvPicPr>
+          <p:nvPr/>
+        </p:nvPicPr>
+        <p:blipFill>
+          <a:blip r:embed="rId2" cstate="print"/>
+          <a:stretch>
+            <a:fillRect/>
+          </a:stretch>
+        </p:blipFill>
+        <p:spPr>
+          <a:xfrm>
+            <a:off x="1446663" y="1944522"/>
+            <a:ext cx="4608512" cy="3082369"/>
+          </a:xfrm>
+          <a:prstGeom prst="rect">
+            <a:avLst/>
+          </a:prstGeom>
+        </p:spPr>
+      </p:pic>
+      <p:pic>
+        <p:nvPicPr>
+          <p:cNvPr id="6" name="Picture 5" descr="n_rel_derivative_vs_temperatureK-SFLD14_1.png"/>
+          <p:cNvPicPr>
+            <a:picLocks noChangeAspect="1"/>
+          </p:cNvPicPr>
+          <p:nvPr/>
+        </p:nvPicPr>
+        <p:blipFill>
+          <a:blip r:embed="rId3" cstate="print"/>
+          <a:stretch>
+            <a:fillRect/>
+          </a:stretch>
+        </p:blipFill>
+        <p:spPr>
+          <a:xfrm>
+            <a:off x="5920021" y="1920991"/>
+            <a:ext cx="4752528" cy="3010361"/>
+          </a:xfrm>
+          <a:prstGeom prst="rect">
+            <a:avLst/>
+          </a:prstGeom>
+        </p:spPr>
+      </p:pic>
+    </p:spTree>
+  </p:cSld>
+  <p:clrMapOvr>
+    <a:masterClrMapping/>
+  </p:clrMapOvr>
+  <p:timing>
+    <p:tnLst>
+      <p:par>
+        <p:cTn id="1" dur="indefinite" restart="never" nodeType="tmRoot"/>
+      </p:par>
+    </p:tnLst>
+  </p:timing>
+</p:sld>
+</file>
+
+<file path=ppt/slides/slide22.xml><?xml version="1.0" encoding="utf-8"?>
+<p:sld xmlns:a="http://schemas.openxmlformats.org/drawingml/2006/main" xmlns:r="http://schemas.openxmlformats.org/officeDocument/2006/relationships" xmlns:p="http://schemas.openxmlformats.org/presentationml/2006/main">
+  <p:cSld>
+    <p:spTree>
+      <p:nvGrpSpPr>
+        <p:cNvPr id="1" name=""/>
+        <p:cNvGrpSpPr/>
+        <p:nvPr/>
+      </p:nvGrpSpPr>
+      <p:grpSpPr>
+        <a:xfrm>
+          <a:off x="0" y="0"/>
+          <a:ext cx="0" cy="0"/>
+          <a:chOff x="0" y="0"/>
+          <a:chExt cx="0" cy="0"/>
+        </a:xfrm>
+      </p:grpSpPr>
+      <p:sp>
+        <p:nvSpPr>
+          <p:cNvPr id="2" name="Title 1"/>
+          <p:cNvSpPr>
+            <a:spLocks noGrp="1"/>
+          </p:cNvSpPr>
+          <p:nvPr>
+            <p:ph type="title"/>
+          </p:nvPr>
+        </p:nvSpPr>
+        <p:spPr/>
+        <p:txBody>
+          <a:bodyPr/>
+          <a:lstStyle/>
+          <a:p>
+            <a:r>
+              <a:rPr lang="en-IN" dirty="0" smtClean="0"/>
+              <a:t>Thermal analysis of K-SFLD </a:t>
+            </a:r>
+            <a:r>
+              <a:rPr lang="en-IN" dirty="0" smtClean="0"/>
+              <a:t>14...</a:t>
+            </a:r>
+            <a:r>
+              <a:rPr lang="en-IN" dirty="0" err="1" smtClean="0"/>
+              <a:t>contd</a:t>
+            </a:r>
+            <a:endParaRPr lang="en-IN" dirty="0"/>
+          </a:p>
+        </p:txBody>
+      </p:sp>
+      <p:sp>
+        <p:nvSpPr>
+          <p:cNvPr id="4" name="Slide Number Placeholder 3"/>
+          <p:cNvSpPr>
+            <a:spLocks noGrp="1"/>
+          </p:cNvSpPr>
+          <p:nvPr>
+            <p:ph type="sldNum" sz="quarter" idx="12"/>
+          </p:nvPr>
+        </p:nvSpPr>
+        <p:spPr/>
+        <p:txBody>
+          <a:bodyPr/>
+          <a:lstStyle/>
+          <a:p>
+            <a:fld id="{6113E31D-E2AB-40D1-8B51-AFA5AFEF393A}" type="slidenum">
+              <a:rPr lang="en-US" smtClean="0"/>
+              <a:pPr/>
+              <a:t>22</a:t>
+            </a:fld>
+            <a:endParaRPr lang="en-US" dirty="0"/>
+          </a:p>
+        </p:txBody>
+      </p:sp>
+      <p:pic>
+        <p:nvPicPr>
+          <p:cNvPr id="5" name="Content Placeholder 3" descr="n_vs_temperatureK-SFLD14_1.png"/>
+          <p:cNvPicPr>
+            <a:picLocks noGrp="1" noChangeAspect="1"/>
+          </p:cNvPicPr>
+          <p:nvPr>
+            <p:ph idx="1"/>
+          </p:nvPr>
+        </p:nvPicPr>
+        <p:blipFill>
+          <a:blip r:embed="rId2" cstate="print"/>
+          <a:stretch>
+            <a:fillRect/>
+          </a:stretch>
+        </p:blipFill>
+        <p:spPr>
+          <a:xfrm>
+            <a:off x="982640" y="1887207"/>
+            <a:ext cx="5677468" cy="4970793"/>
+          </a:xfrm>
+        </p:spPr>
+      </p:pic>
+      <p:sp>
+        <p:nvSpPr>
+          <p:cNvPr id="6" name="TextBox 5"/>
+          <p:cNvSpPr txBox="1"/>
+          <p:nvPr/>
+        </p:nvSpPr>
+        <p:spPr>
+          <a:xfrm>
+            <a:off x="6660107" y="1978925"/>
+            <a:ext cx="4299045" cy="923330"/>
+          </a:xfrm>
+          <a:prstGeom prst="rect">
+            <a:avLst/>
+          </a:prstGeom>
+          <a:noFill/>
+        </p:spPr>
+        <p:txBody>
+          <a:bodyPr wrap="square" rtlCol="0">
+            <a:spAutoFit/>
+          </a:bodyPr>
+          <a:lstStyle/>
+          <a:p>
+            <a:r>
+              <a:rPr lang="en-IN" dirty="0" smtClean="0"/>
+              <a:t>Light blue colour for pressure at P=90000 Pa and red colour for pressure P = 103250 Pa</a:t>
+            </a:r>
+          </a:p>
+          <a:p>
+            <a:endParaRPr lang="en-IN" dirty="0"/>
           </a:p>
         </p:txBody>
       </p:sp>
@@ -5927,7 +10826,16 @@
           </a:p>
           <a:p>
             <a:r>
-              <a:rPr lang="en-IN" sz="3100" dirty="0" smtClean="0"/>
+              <a:rPr lang="en-IN" sz="3100" dirty="0" smtClean="0">
+                <a:effectLst>
+                  <a:glow rad="63500">
+                    <a:schemeClr val="accent3">
+                      <a:satMod val="175000"/>
+                      <a:alpha val="40000"/>
+                    </a:schemeClr>
+                  </a:glow>
+                </a:effectLst>
+              </a:rPr>
               <a:t>NM N-BK7 2 517642.251 1.5168 64.17 0 1</a:t>
             </a:r>
           </a:p>
@@ -5945,42 +10853,121 @@
           </a:p>
           <a:p>
             <a:r>
+              <a:rPr lang="en-IN" sz="3100" dirty="0" smtClean="0">
+                <a:solidFill>
+                  <a:schemeClr val="tx1"/>
+                </a:solidFill>
+                <a:effectLst>
+                  <a:glow rad="101600">
+                    <a:schemeClr val="accent2">
+                      <a:satMod val="175000"/>
+                      <a:alpha val="40000"/>
+                    </a:schemeClr>
+                  </a:glow>
+                </a:effectLst>
+              </a:rPr>
+              <a:t>CD 1.039612120E+00 6.000698670E-03 2.317923440E-01 2.001791440E-02</a:t>
+            </a:r>
+          </a:p>
+          <a:p>
+            <a:r>
+              <a:rPr lang="en-IN" sz="3100" dirty="0" smtClean="0">
+                <a:solidFill>
+                  <a:schemeClr val="tx1"/>
+                </a:solidFill>
+                <a:effectLst>
+                  <a:glow rad="101600">
+                    <a:schemeClr val="accent2">
+                      <a:satMod val="175000"/>
+                      <a:alpha val="40000"/>
+                    </a:schemeClr>
+                  </a:glow>
+                </a:effectLst>
+              </a:rPr>
+              <a:t>1.010469450E+00 1.035606530E+02 0.000000000E+00 </a:t>
+            </a:r>
+            <a:r>
+              <a:rPr lang="en-IN" sz="3100" dirty="0" err="1" smtClean="0">
+                <a:solidFill>
+                  <a:schemeClr val="tx1"/>
+                </a:solidFill>
+                <a:effectLst>
+                  <a:glow rad="101600">
+                    <a:schemeClr val="accent2">
+                      <a:satMod val="175000"/>
+                      <a:alpha val="40000"/>
+                    </a:schemeClr>
+                  </a:glow>
+                </a:effectLst>
+              </a:rPr>
+              <a:t>0.000000000E+00</a:t>
+            </a:r>
+            <a:endParaRPr lang="en-IN" sz="3100" dirty="0" smtClean="0">
+              <a:solidFill>
+                <a:schemeClr val="tx1"/>
+              </a:solidFill>
+              <a:effectLst>
+                <a:glow rad="101600">
+                  <a:schemeClr val="accent2">
+                    <a:satMod val="175000"/>
+                    <a:alpha val="40000"/>
+                  </a:schemeClr>
+                </a:glow>
+              </a:effectLst>
+            </a:endParaRPr>
+          </a:p>
+          <a:p>
+            <a:r>
+              <a:rPr lang="en-IN" sz="3100" dirty="0" smtClean="0">
+                <a:effectLst>
+                  <a:glow rad="63500">
+                    <a:schemeClr val="accent2">
+                      <a:satMod val="175000"/>
+                      <a:alpha val="40000"/>
+                    </a:schemeClr>
+                  </a:glow>
+                </a:effectLst>
+              </a:rPr>
+              <a:t>TD 1.860000E-06 1.310000E-08 -1.370000E-11 4.340000E-07 6.270000E-10</a:t>
+            </a:r>
+          </a:p>
+          <a:p>
+            <a:r>
+              <a:rPr lang="en-IN" sz="3100" dirty="0" smtClean="0">
+                <a:effectLst>
+                  <a:glow rad="63500">
+                    <a:schemeClr val="accent2">
+                      <a:satMod val="175000"/>
+                      <a:alpha val="40000"/>
+                    </a:schemeClr>
+                  </a:glow>
+                </a:effectLst>
+              </a:rPr>
+              <a:t>1.700000E-01 2.000000E+01</a:t>
+            </a:r>
+          </a:p>
+          <a:p>
+            <a:r>
               <a:rPr lang="en-IN" sz="3100" dirty="0" smtClean="0"/>
-              <a:t>CD 1.039612120E+00 6.000698670E-03 2.317923440E-01 2.001791440E-02</a:t>
-            </a:r>
-          </a:p>
-          <a:p>
+              <a:t>OD </a:t>
+            </a:r>
             <a:r>
               <a:rPr lang="en-IN" sz="3100" dirty="0" smtClean="0"/>
-              <a:t>1.010469450E+00 1.035606530E+02 0.000000000E+00 </a:t>
-            </a:r>
-            <a:r>
-              <a:rPr lang="en-IN" sz="3100" dirty="0" err="1" smtClean="0"/>
-              <a:t>0.000000000E+00</a:t>
-            </a:r>
-            <a:endParaRPr lang="en-IN" sz="3100" dirty="0" smtClean="0"/>
-          </a:p>
-          <a:p>
-            <a:r>
-              <a:rPr lang="en-IN" sz="3100" dirty="0" smtClean="0"/>
-              <a:t>TD 1.860000E-06 1.310000E-08 -1.370000E-11 4.340000E-07 6.270000E-10</a:t>
-            </a:r>
-          </a:p>
-          <a:p>
-            <a:r>
-              <a:rPr lang="en-IN" sz="3100" dirty="0" smtClean="0"/>
-              <a:t>1.700000E-01 2.000000E+01</a:t>
-            </a:r>
-          </a:p>
-          <a:p>
-            <a:r>
-              <a:rPr lang="en-IN" sz="3100" dirty="0" smtClean="0"/>
-              <a:t>OD 1.0000 1.0000 0.0000 1.0000 2.3000 2.3000</a:t>
-            </a:r>
-          </a:p>
-          <a:p>
-            <a:r>
-              <a:rPr lang="en-IN" sz="3100" dirty="0" smtClean="0"/>
+              <a:t>1.0000 1.0000 0.0000 1.0000 2.3000 2.3000</a:t>
+            </a:r>
+          </a:p>
+          <a:p>
+            <a:r>
+              <a:rPr lang="en-IN" sz="3100" dirty="0" smtClean="0">
+                <a:effectLst>
+                  <a:glow rad="139700">
+                    <a:schemeClr val="accent3">
+                      <a:satMod val="175000"/>
+                      <a:alpha val="40000"/>
+                    </a:schemeClr>
+                  </a:glow>
+                </a:effectLst>
+              </a:rPr>
               <a:t>LD 3.00000E-01 2.50000E+00</a:t>
             </a:r>
           </a:p>
@@ -6027,11 +11014,11 @@
           <a:lstStyle/>
           <a:p>
             <a:fld id="{6113E31D-E2AB-40D1-8B51-AFA5AFEF393A}" type="slidenum">
-              <a:rPr lang="en-US" smtClean="0"/>
+              <a:rPr lang="en-US" sz="1800" smtClean="0"/>
               <a:pPr/>
               <a:t>6</a:t>
             </a:fld>
-            <a:endParaRPr lang="en-US" dirty="0"/>
+            <a:endParaRPr lang="en-US" sz="1800" dirty="0"/>
           </a:p>
         </p:txBody>
       </p:sp>
@@ -6083,11 +11070,11 @@
           <a:lstStyle/>
           <a:p>
             <a:fld id="{4FAB73BC-B049-4115-A692-8D63A059BFB8}" type="slidenum">
-              <a:rPr lang="en-US" smtClean="0"/>
+              <a:rPr lang="en-US" sz="1800" smtClean="0"/>
               <a:pPr/>
               <a:t>7</a:t>
             </a:fld>
-            <a:endParaRPr lang="en-US" dirty="0"/>
+            <a:endParaRPr lang="en-US" sz="1800" dirty="0"/>
           </a:p>
         </p:txBody>
       </p:sp>
@@ -6263,11 +11250,11 @@
           <a:lstStyle/>
           <a:p>
             <a:fld id="{6113E31D-E2AB-40D1-8B51-AFA5AFEF393A}" type="slidenum">
-              <a:rPr lang="en-US" smtClean="0"/>
+              <a:rPr lang="en-US" sz="1800" smtClean="0"/>
               <a:pPr/>
               <a:t>8</a:t>
             </a:fld>
-            <a:endParaRPr lang="en-US" dirty="0"/>
+            <a:endParaRPr lang="en-US" sz="1800" dirty="0"/>
           </a:p>
         </p:txBody>
       </p:sp>
@@ -6984,7 +11971,7 @@
   <a:extraClrSchemeLst/>
   <a:extLst>
     <a:ext uri="{05A4C25C-085E-4340-85A3-A5531E510DB2}">
-      <thm15:themeFamily xmlns="" xmlns:thm15="http://schemas.microsoft.com/office/thememl/2012/main" name="Retrospect" id="{5F128B03-DCCA-4EEB-AB3B-CF2899314A46}" vid="{3F1AAB62-24C6-49D2-8E01-B56FAC9A3DCD}"/>
+      <thm15:themeFamily xmlns:thm15="http://schemas.microsoft.com/office/thememl/2012/main" xmlns="" name="Retrospect" id="{5F128B03-DCCA-4EEB-AB3B-CF2899314A46}" vid="{3F1AAB62-24C6-49D2-8E01-B56FAC9A3DCD}"/>
     </a:ext>
   </a:extLst>
 </a:theme>
